--- a/Hotel Management System.pptx
+++ b/Hotel Management System.pptx
@@ -5,10 +5,10 @@
     <p:sldMasterId id="2147483658" r:id="rId4"/>
   </p:sldMasterIdLst>
   <p:notesMasterIdLst>
-    <p:notesMasterId r:id="rId19"/>
+    <p:notesMasterId r:id="rId21"/>
   </p:notesMasterIdLst>
   <p:handoutMasterIdLst>
-    <p:handoutMasterId r:id="rId20"/>
+    <p:handoutMasterId r:id="rId22"/>
   </p:handoutMasterIdLst>
   <p:sldIdLst>
     <p:sldId id="256" r:id="rId5"/>
@@ -17,14 +17,16 @@
     <p:sldId id="338" r:id="rId8"/>
     <p:sldId id="261" r:id="rId9"/>
     <p:sldId id="343" r:id="rId10"/>
-    <p:sldId id="344" r:id="rId11"/>
-    <p:sldId id="346" r:id="rId12"/>
-    <p:sldId id="351" r:id="rId13"/>
-    <p:sldId id="347" r:id="rId14"/>
-    <p:sldId id="352" r:id="rId15"/>
-    <p:sldId id="348" r:id="rId16"/>
-    <p:sldId id="349" r:id="rId17"/>
-    <p:sldId id="342" r:id="rId18"/>
+    <p:sldId id="353" r:id="rId11"/>
+    <p:sldId id="355" r:id="rId12"/>
+    <p:sldId id="356" r:id="rId13"/>
+    <p:sldId id="346" r:id="rId14"/>
+    <p:sldId id="351" r:id="rId15"/>
+    <p:sldId id="347" r:id="rId16"/>
+    <p:sldId id="352" r:id="rId17"/>
+    <p:sldId id="348" r:id="rId18"/>
+    <p:sldId id="349" r:id="rId19"/>
+    <p:sldId id="342" r:id="rId20"/>
   </p:sldIdLst>
   <p:sldSz cx="12192000" cy="6858000"/>
   <p:notesSz cx="6858000" cy="9144000"/>
@@ -240,7 +242,7 @@
           <a:p>
             <a:fld id="{1FB51ED0-8724-4321-9903-1B6C4397769A}" type="datetimeFigureOut">
               <a:rPr lang="en-US" smtClean="0"/>
-              <a:t>8/21/2021</a:t>
+              <a:t>9/2/2021</a:t>
             </a:fld>
             <a:endParaRPr lang="en-US" dirty="0"/>
           </a:p>
@@ -417,7 +419,7 @@
           <a:p>
             <a:fld id="{E714778D-F34E-4BE4-9B6B-598D2E739C81}" type="datetimeFigureOut">
               <a:rPr lang="en-US" smtClean="0"/>
-              <a:t>8/21/2021</a:t>
+              <a:t>9/2/2021</a:t>
             </a:fld>
             <a:endParaRPr lang="en-US" dirty="0"/>
           </a:p>
@@ -1061,7 +1063,7 @@
           <a:p>
             <a:fld id="{F9553C36-AE66-42A1-BA56-51FF7F8C862C}" type="slidenum">
               <a:rPr lang="en-US" smtClean="0"/>
-              <a:t>7</a:t>
+              <a:t>11</a:t>
             </a:fld>
             <a:endParaRPr lang="en-US" dirty="0"/>
           </a:p>
@@ -1070,7 +1072,7 @@
     </p:spTree>
     <p:extLst>
       <p:ext uri="{BB962C8B-B14F-4D97-AF65-F5344CB8AC3E}">
-        <p14:creationId xmlns:p14="http://schemas.microsoft.com/office/powerpoint/2010/main" val="16267338"/>
+        <p14:creationId xmlns:p14="http://schemas.microsoft.com/office/powerpoint/2010/main" val="1691173031"/>
       </p:ext>
     </p:extLst>
   </p:cSld>
@@ -1124,90 +1126,6 @@
           <a:bodyPr/>
           <a:lstStyle/>
           <a:p>
-            <a:endParaRPr lang="en-IN" dirty="0"/>
-          </a:p>
-        </p:txBody>
-      </p:sp>
-      <p:sp>
-        <p:nvSpPr>
-          <p:cNvPr id="4" name="Slide Number Placeholder 3"/>
-          <p:cNvSpPr>
-            <a:spLocks noGrp="1"/>
-          </p:cNvSpPr>
-          <p:nvPr>
-            <p:ph type="sldNum" sz="quarter" idx="5"/>
-          </p:nvPr>
-        </p:nvSpPr>
-        <p:spPr/>
-        <p:txBody>
-          <a:bodyPr/>
-          <a:lstStyle/>
-          <a:p>
-            <a:fld id="{F9553C36-AE66-42A1-BA56-51FF7F8C862C}" type="slidenum">
-              <a:rPr lang="en-US" smtClean="0"/>
-              <a:t>9</a:t>
-            </a:fld>
-            <a:endParaRPr lang="en-US" dirty="0"/>
-          </a:p>
-        </p:txBody>
-      </p:sp>
-    </p:spTree>
-    <p:extLst>
-      <p:ext uri="{BB962C8B-B14F-4D97-AF65-F5344CB8AC3E}">
-        <p14:creationId xmlns:p14="http://schemas.microsoft.com/office/powerpoint/2010/main" val="1691173031"/>
-      </p:ext>
-    </p:extLst>
-  </p:cSld>
-  <p:clrMapOvr>
-    <a:masterClrMapping/>
-  </p:clrMapOvr>
-</p:notes>
-</file>
-
-<file path=ppt/notesSlides/notesSlide6.xml><?xml version="1.0" encoding="utf-8"?>
-<p:notes xmlns:a="http://schemas.openxmlformats.org/drawingml/2006/main" xmlns:r="http://schemas.openxmlformats.org/officeDocument/2006/relationships" xmlns:p="http://schemas.openxmlformats.org/presentationml/2006/main">
-  <p:cSld>
-    <p:spTree>
-      <p:nvGrpSpPr>
-        <p:cNvPr id="1" name=""/>
-        <p:cNvGrpSpPr/>
-        <p:nvPr/>
-      </p:nvGrpSpPr>
-      <p:grpSpPr>
-        <a:xfrm>
-          <a:off x="0" y="0"/>
-          <a:ext cx="0" cy="0"/>
-          <a:chOff x="0" y="0"/>
-          <a:chExt cx="0" cy="0"/>
-        </a:xfrm>
-      </p:grpSpPr>
-      <p:sp>
-        <p:nvSpPr>
-          <p:cNvPr id="2" name="Slide Image Placeholder 1"/>
-          <p:cNvSpPr>
-            <a:spLocks noGrp="1" noRot="1" noChangeAspect="1"/>
-          </p:cNvSpPr>
-          <p:nvPr>
-            <p:ph type="sldImg"/>
-          </p:nvPr>
-        </p:nvSpPr>
-        <p:spPr/>
-      </p:sp>
-      <p:sp>
-        <p:nvSpPr>
-          <p:cNvPr id="3" name="Notes Placeholder 2"/>
-          <p:cNvSpPr>
-            <a:spLocks noGrp="1"/>
-          </p:cNvSpPr>
-          <p:nvPr>
-            <p:ph type="body" idx="1"/>
-          </p:nvPr>
-        </p:nvSpPr>
-        <p:spPr/>
-        <p:txBody>
-          <a:bodyPr/>
-          <a:lstStyle/>
-          <a:p>
             <a:pPr marL="0" marR="0" lvl="0" indent="0" algn="l" defTabSz="914400" rtl="0" eaLnBrk="1" fontAlgn="auto" latinLnBrk="0" hangingPunct="1">
               <a:lnSpc>
                 <a:spcPct val="100000"/>
@@ -1253,7 +1171,7 @@
           <a:p>
             <a:fld id="{F9553C36-AE66-42A1-BA56-51FF7F8C862C}" type="slidenum">
               <a:rPr lang="en-US" smtClean="0"/>
-              <a:t>10</a:t>
+              <a:t>12</a:t>
             </a:fld>
             <a:endParaRPr lang="en-US" dirty="0"/>
           </a:p>
@@ -10063,7 +9981,7 @@
           <a:p>
             <a:fld id="{0616FFC6-B6FD-417B-BDE1-C6395267D6DB}" type="datetimeFigureOut">
               <a:rPr lang="en-US" smtClean="0"/>
-              <a:t>8/21/2021</a:t>
+              <a:t>9/2/2021</a:t>
             </a:fld>
             <a:endParaRPr lang="en-US" dirty="0"/>
           </a:p>
@@ -10717,6 +10635,26 @@
               </a:rPr>
               <a:t> </a:t>
             </a:r>
+          </a:p>
+          <a:p>
+            <a:r>
+              <a:rPr lang="en-US" sz="1900" i="1" dirty="0">
+                <a:latin typeface="Calibri" panose="020F0502020204030204" pitchFamily="34" charset="0"/>
+              </a:rPr>
+              <a:t>NSTI(w)Salt Lake Kolkata</a:t>
+            </a:r>
+          </a:p>
+          <a:p>
+            <a:endParaRPr lang="en-US" sz="1900" i="1" dirty="0">
+              <a:latin typeface="Calibri" panose="020F0502020204030204" pitchFamily="34" charset="0"/>
+            </a:endParaRPr>
+          </a:p>
+          <a:p>
+            <a:endParaRPr lang="en-US" sz="1900" i="1" dirty="0">
+              <a:latin typeface="Calibri" panose="020F0502020204030204" pitchFamily="34" charset="0"/>
+            </a:endParaRPr>
+          </a:p>
+          <a:p>
             <a:endParaRPr lang="en-US" sz="1900" dirty="0"/>
           </a:p>
           <a:p>
@@ -10978,6 +10916,67 @@
                       </p:childTnLst>
                     </p:cTn>
                   </p:par>
+                  <p:par>
+                    <p:cTn id="23" fill="hold">
+                      <p:stCondLst>
+                        <p:cond delay="indefinite"/>
+                      </p:stCondLst>
+                      <p:childTnLst>
+                        <p:par>
+                          <p:cTn id="24" fill="hold">
+                            <p:stCondLst>
+                              <p:cond delay="0"/>
+                            </p:stCondLst>
+                            <p:childTnLst>
+                              <p:par>
+                                <p:cTn id="25" presetID="10" presetClass="entr" presetSubtype="0" fill="hold" nodeType="clickEffect">
+                                  <p:stCondLst>
+                                    <p:cond delay="0"/>
+                                  </p:stCondLst>
+                                  <p:childTnLst>
+                                    <p:set>
+                                      <p:cBhvr>
+                                        <p:cTn id="26" dur="1" fill="hold">
+                                          <p:stCondLst>
+                                            <p:cond delay="0"/>
+                                          </p:stCondLst>
+                                        </p:cTn>
+                                        <p:tgtEl>
+                                          <p:spTgt spid="3">
+                                            <p:txEl>
+                                              <p:pRg st="3" end="3"/>
+                                            </p:txEl>
+                                          </p:spTgt>
+                                        </p:tgtEl>
+                                        <p:attrNameLst>
+                                          <p:attrName>style.visibility</p:attrName>
+                                        </p:attrNameLst>
+                                      </p:cBhvr>
+                                      <p:to>
+                                        <p:strVal val="visible"/>
+                                      </p:to>
+                                    </p:set>
+                                    <p:animEffect transition="in" filter="fade">
+                                      <p:cBhvr>
+                                        <p:cTn id="27" dur="500"/>
+                                        <p:tgtEl>
+                                          <p:spTgt spid="3">
+                                            <p:txEl>
+                                              <p:pRg st="3" end="3"/>
+                                            </p:txEl>
+                                          </p:spTgt>
+                                        </p:tgtEl>
+                                      </p:cBhvr>
+                                    </p:animEffect>
+                                  </p:childTnLst>
+                                </p:cTn>
+                              </p:par>
+                            </p:childTnLst>
+                          </p:cTn>
+                        </p:par>
+                      </p:childTnLst>
+                    </p:cTn>
+                  </p:par>
                 </p:childTnLst>
               </p:cTn>
               <p:prevCondLst>
@@ -11025,6 +11024,982 @@
       </p:grpSpPr>
       <p:sp>
         <p:nvSpPr>
+          <p:cNvPr id="8" name="Title 7">
+            <a:extLst>
+              <a:ext uri="{FF2B5EF4-FFF2-40B4-BE49-F238E27FC236}">
+                <a16:creationId xmlns:a16="http://schemas.microsoft.com/office/drawing/2014/main" id="{B3A6CC12-BBE9-4EB3-9534-C8D1FD04092A}"/>
+              </a:ext>
+            </a:extLst>
+          </p:cNvPr>
+          <p:cNvSpPr>
+            <a:spLocks noGrp="1"/>
+          </p:cNvSpPr>
+          <p:nvPr>
+            <p:ph type="title"/>
+          </p:nvPr>
+        </p:nvSpPr>
+        <p:spPr/>
+        <p:txBody>
+          <a:bodyPr/>
+          <a:lstStyle/>
+          <a:p>
+            <a:r>
+              <a:rPr lang="en-US" dirty="0"/>
+              <a:t> Features of Fabulous Hotel</a:t>
+            </a:r>
+            <a:endParaRPr lang="en-IN" dirty="0"/>
+          </a:p>
+        </p:txBody>
+      </p:sp>
+      <p:sp>
+        <p:nvSpPr>
+          <p:cNvPr id="9" name="Content Placeholder 8">
+            <a:extLst>
+              <a:ext uri="{FF2B5EF4-FFF2-40B4-BE49-F238E27FC236}">
+                <a16:creationId xmlns:a16="http://schemas.microsoft.com/office/drawing/2014/main" id="{969511EC-F725-4F75-9391-55CD5FA0BB72}"/>
+              </a:ext>
+            </a:extLst>
+          </p:cNvPr>
+          <p:cNvSpPr>
+            <a:spLocks noGrp="1"/>
+          </p:cNvSpPr>
+          <p:nvPr>
+            <p:ph idx="1"/>
+          </p:nvPr>
+        </p:nvSpPr>
+        <p:spPr/>
+        <p:txBody>
+          <a:bodyPr>
+            <a:normAutofit/>
+          </a:bodyPr>
+          <a:lstStyle/>
+          <a:p>
+            <a:pPr>
+              <a:buBlip>
+                <a:blip r:embed="rId2">
+                  <a:extLst>
+                    <a:ext uri="{96DAC541-7B7A-43D3-8B79-37D633B846F1}">
+                      <asvg:svgBlip xmlns:asvg="http://schemas.microsoft.com/office/drawing/2016/SVG/main" r:embed="rId3"/>
+                    </a:ext>
+                  </a:extLst>
+                </a:blip>
+              </a:buBlip>
+            </a:pPr>
+            <a:r>
+              <a:rPr lang="en-US" sz="2800" dirty="0"/>
+              <a:t>The user easily to know about hotel and hotel’s special dishes and food menu</a:t>
+            </a:r>
+          </a:p>
+          <a:p>
+            <a:pPr>
+              <a:buBlip>
+                <a:blip r:embed="rId2">
+                  <a:extLst>
+                    <a:ext uri="{96DAC541-7B7A-43D3-8B79-37D633B846F1}">
+                      <asvg:svgBlip xmlns:asvg="http://schemas.microsoft.com/office/drawing/2016/SVG/main" r:embed="rId3"/>
+                    </a:ext>
+                  </a:extLst>
+                </a:blip>
+              </a:buBlip>
+            </a:pPr>
+            <a:r>
+              <a:rPr lang="en-US" sz="2800" dirty="0"/>
+              <a:t>  In the food menu, users can be known about what is available in breakfast, dinner, main dishes, lunch and deserts dishes and what is the cost of food</a:t>
+            </a:r>
+          </a:p>
+          <a:p>
+            <a:pPr>
+              <a:buBlip>
+                <a:blip r:embed="rId2">
+                  <a:extLst>
+                    <a:ext uri="{96DAC541-7B7A-43D3-8B79-37D633B846F1}">
+                      <asvg:svgBlip xmlns:asvg="http://schemas.microsoft.com/office/drawing/2016/SVG/main" r:embed="rId3"/>
+                    </a:ext>
+                  </a:extLst>
+                </a:blip>
+              </a:buBlip>
+            </a:pPr>
+            <a:r>
+              <a:rPr lang="en-US" sz="2800" dirty="0"/>
+              <a:t> our Watson assistant will assist the users </a:t>
+            </a:r>
+          </a:p>
+          <a:p>
+            <a:pPr>
+              <a:buBlip>
+                <a:blip r:embed="rId2">
+                  <a:extLst>
+                    <a:ext uri="{96DAC541-7B7A-43D3-8B79-37D633B846F1}">
+                      <asvg:svgBlip xmlns:asvg="http://schemas.microsoft.com/office/drawing/2016/SVG/main" r:embed="rId3"/>
+                    </a:ext>
+                  </a:extLst>
+                </a:blip>
+              </a:buBlip>
+            </a:pPr>
+            <a:r>
+              <a:rPr lang="en-US" sz="2800" dirty="0"/>
+              <a:t> user can be contact and also know about the hotel opening and closing timing. </a:t>
+            </a:r>
+          </a:p>
+          <a:p>
+            <a:pPr marL="0" indent="0">
+              <a:buNone/>
+            </a:pPr>
+            <a:endParaRPr lang="en-IN" sz="2800" dirty="0"/>
+          </a:p>
+        </p:txBody>
+      </p:sp>
+    </p:spTree>
+    <p:extLst>
+      <p:ext uri="{BB962C8B-B14F-4D97-AF65-F5344CB8AC3E}">
+        <p14:creationId xmlns:p14="http://schemas.microsoft.com/office/powerpoint/2010/main" val="539179334"/>
+      </p:ext>
+    </p:extLst>
+  </p:cSld>
+  <p:clrMapOvr>
+    <a:masterClrMapping/>
+  </p:clrMapOvr>
+  <p:timing>
+    <p:tnLst>
+      <p:par>
+        <p:cTn id="1" dur="indefinite" restart="never" nodeType="tmRoot">
+          <p:childTnLst>
+            <p:seq concurrent="1" nextAc="seek">
+              <p:cTn id="2" dur="indefinite" nodeType="mainSeq">
+                <p:childTnLst>
+                  <p:par>
+                    <p:cTn id="3" fill="hold">
+                      <p:stCondLst>
+                        <p:cond delay="indefinite"/>
+                      </p:stCondLst>
+                      <p:childTnLst>
+                        <p:par>
+                          <p:cTn id="4" fill="hold">
+                            <p:stCondLst>
+                              <p:cond delay="0"/>
+                            </p:stCondLst>
+                            <p:childTnLst>
+                              <p:par>
+                                <p:cTn id="5" presetID="6" presetClass="entr" presetSubtype="16" fill="hold" grpId="0" nodeType="clickEffect">
+                                  <p:stCondLst>
+                                    <p:cond delay="0"/>
+                                  </p:stCondLst>
+                                  <p:childTnLst>
+                                    <p:set>
+                                      <p:cBhvr>
+                                        <p:cTn id="6" dur="1" fill="hold">
+                                          <p:stCondLst>
+                                            <p:cond delay="0"/>
+                                          </p:stCondLst>
+                                        </p:cTn>
+                                        <p:tgtEl>
+                                          <p:spTgt spid="8"/>
+                                        </p:tgtEl>
+                                        <p:attrNameLst>
+                                          <p:attrName>style.visibility</p:attrName>
+                                        </p:attrNameLst>
+                                      </p:cBhvr>
+                                      <p:to>
+                                        <p:strVal val="visible"/>
+                                      </p:to>
+                                    </p:set>
+                                    <p:animEffect transition="in" filter="circle(in)">
+                                      <p:cBhvr>
+                                        <p:cTn id="7" dur="2000"/>
+                                        <p:tgtEl>
+                                          <p:spTgt spid="8"/>
+                                        </p:tgtEl>
+                                      </p:cBhvr>
+                                    </p:animEffect>
+                                  </p:childTnLst>
+                                </p:cTn>
+                              </p:par>
+                            </p:childTnLst>
+                          </p:cTn>
+                        </p:par>
+                      </p:childTnLst>
+                    </p:cTn>
+                  </p:par>
+                  <p:par>
+                    <p:cTn id="8" fill="hold">
+                      <p:stCondLst>
+                        <p:cond delay="indefinite"/>
+                      </p:stCondLst>
+                      <p:childTnLst>
+                        <p:par>
+                          <p:cTn id="9" fill="hold">
+                            <p:stCondLst>
+                              <p:cond delay="0"/>
+                            </p:stCondLst>
+                            <p:childTnLst>
+                              <p:par>
+                                <p:cTn id="10" presetID="16" presetClass="emph" presetSubtype="0" fill="hold" nodeType="clickEffect">
+                                  <p:stCondLst>
+                                    <p:cond delay="0"/>
+                                  </p:stCondLst>
+                                  <p:iterate type="lt">
+                                    <p:tmPct val="4000"/>
+                                  </p:iterate>
+                                  <p:childTnLst>
+                                    <p:set>
+                                      <p:cBhvr override="childStyle">
+                                        <p:cTn id="11" dur="500" fill="hold"/>
+                                        <p:tgtEl>
+                                          <p:spTgt spid="9">
+                                            <p:txEl>
+                                              <p:pRg st="0" end="0"/>
+                                            </p:txEl>
+                                          </p:spTgt>
+                                        </p:tgtEl>
+                                        <p:attrNameLst>
+                                          <p:attrName>style.color</p:attrName>
+                                        </p:attrNameLst>
+                                      </p:cBhvr>
+                                      <p:to>
+                                        <p:clrVal>
+                                          <a:schemeClr val="accent2"/>
+                                        </p:clrVal>
+                                      </p:to>
+                                    </p:set>
+                                    <p:set>
+                                      <p:cBhvr>
+                                        <p:cTn id="12" dur="500" fill="hold"/>
+                                        <p:tgtEl>
+                                          <p:spTgt spid="9">
+                                            <p:txEl>
+                                              <p:pRg st="0" end="0"/>
+                                            </p:txEl>
+                                          </p:spTgt>
+                                        </p:tgtEl>
+                                        <p:attrNameLst>
+                                          <p:attrName>fillcolor</p:attrName>
+                                        </p:attrNameLst>
+                                      </p:cBhvr>
+                                      <p:to>
+                                        <p:clrVal>
+                                          <a:schemeClr val="accent2"/>
+                                        </p:clrVal>
+                                      </p:to>
+                                    </p:set>
+                                    <p:set>
+                                      <p:cBhvr>
+                                        <p:cTn id="13" dur="500" fill="hold"/>
+                                        <p:tgtEl>
+                                          <p:spTgt spid="9">
+                                            <p:txEl>
+                                              <p:pRg st="0" end="0"/>
+                                            </p:txEl>
+                                          </p:spTgt>
+                                        </p:tgtEl>
+                                        <p:attrNameLst>
+                                          <p:attrName>fill.type</p:attrName>
+                                        </p:attrNameLst>
+                                      </p:cBhvr>
+                                      <p:to>
+                                        <p:strVal val="solid"/>
+                                      </p:to>
+                                    </p:set>
+                                  </p:childTnLst>
+                                </p:cTn>
+                              </p:par>
+                            </p:childTnLst>
+                          </p:cTn>
+                        </p:par>
+                      </p:childTnLst>
+                    </p:cTn>
+                  </p:par>
+                  <p:par>
+                    <p:cTn id="14" fill="hold">
+                      <p:stCondLst>
+                        <p:cond delay="indefinite"/>
+                      </p:stCondLst>
+                      <p:childTnLst>
+                        <p:par>
+                          <p:cTn id="15" fill="hold">
+                            <p:stCondLst>
+                              <p:cond delay="0"/>
+                            </p:stCondLst>
+                            <p:childTnLst>
+                              <p:par>
+                                <p:cTn id="16" presetID="16" presetClass="emph" presetSubtype="0" fill="hold" nodeType="clickEffect">
+                                  <p:stCondLst>
+                                    <p:cond delay="0"/>
+                                  </p:stCondLst>
+                                  <p:iterate type="lt">
+                                    <p:tmPct val="4000"/>
+                                  </p:iterate>
+                                  <p:childTnLst>
+                                    <p:set>
+                                      <p:cBhvr override="childStyle">
+                                        <p:cTn id="17" dur="500" fill="hold"/>
+                                        <p:tgtEl>
+                                          <p:spTgt spid="9">
+                                            <p:txEl>
+                                              <p:pRg st="1" end="1"/>
+                                            </p:txEl>
+                                          </p:spTgt>
+                                        </p:tgtEl>
+                                        <p:attrNameLst>
+                                          <p:attrName>style.color</p:attrName>
+                                        </p:attrNameLst>
+                                      </p:cBhvr>
+                                      <p:to>
+                                        <p:clrVal>
+                                          <a:schemeClr val="accent2"/>
+                                        </p:clrVal>
+                                      </p:to>
+                                    </p:set>
+                                    <p:set>
+                                      <p:cBhvr>
+                                        <p:cTn id="18" dur="500" fill="hold"/>
+                                        <p:tgtEl>
+                                          <p:spTgt spid="9">
+                                            <p:txEl>
+                                              <p:pRg st="1" end="1"/>
+                                            </p:txEl>
+                                          </p:spTgt>
+                                        </p:tgtEl>
+                                        <p:attrNameLst>
+                                          <p:attrName>fillcolor</p:attrName>
+                                        </p:attrNameLst>
+                                      </p:cBhvr>
+                                      <p:to>
+                                        <p:clrVal>
+                                          <a:schemeClr val="accent2"/>
+                                        </p:clrVal>
+                                      </p:to>
+                                    </p:set>
+                                    <p:set>
+                                      <p:cBhvr>
+                                        <p:cTn id="19" dur="500" fill="hold"/>
+                                        <p:tgtEl>
+                                          <p:spTgt spid="9">
+                                            <p:txEl>
+                                              <p:pRg st="1" end="1"/>
+                                            </p:txEl>
+                                          </p:spTgt>
+                                        </p:tgtEl>
+                                        <p:attrNameLst>
+                                          <p:attrName>fill.type</p:attrName>
+                                        </p:attrNameLst>
+                                      </p:cBhvr>
+                                      <p:to>
+                                        <p:strVal val="solid"/>
+                                      </p:to>
+                                    </p:set>
+                                  </p:childTnLst>
+                                </p:cTn>
+                              </p:par>
+                            </p:childTnLst>
+                          </p:cTn>
+                        </p:par>
+                      </p:childTnLst>
+                    </p:cTn>
+                  </p:par>
+                  <p:par>
+                    <p:cTn id="20" fill="hold">
+                      <p:stCondLst>
+                        <p:cond delay="indefinite"/>
+                      </p:stCondLst>
+                      <p:childTnLst>
+                        <p:par>
+                          <p:cTn id="21" fill="hold">
+                            <p:stCondLst>
+                              <p:cond delay="0"/>
+                            </p:stCondLst>
+                            <p:childTnLst>
+                              <p:par>
+                                <p:cTn id="22" presetID="16" presetClass="emph" presetSubtype="0" fill="hold" nodeType="clickEffect">
+                                  <p:stCondLst>
+                                    <p:cond delay="0"/>
+                                  </p:stCondLst>
+                                  <p:iterate type="lt">
+                                    <p:tmPct val="4000"/>
+                                  </p:iterate>
+                                  <p:childTnLst>
+                                    <p:set>
+                                      <p:cBhvr override="childStyle">
+                                        <p:cTn id="23" dur="500" fill="hold"/>
+                                        <p:tgtEl>
+                                          <p:spTgt spid="9">
+                                            <p:txEl>
+                                              <p:pRg st="2" end="2"/>
+                                            </p:txEl>
+                                          </p:spTgt>
+                                        </p:tgtEl>
+                                        <p:attrNameLst>
+                                          <p:attrName>style.color</p:attrName>
+                                        </p:attrNameLst>
+                                      </p:cBhvr>
+                                      <p:to>
+                                        <p:clrVal>
+                                          <a:schemeClr val="accent2"/>
+                                        </p:clrVal>
+                                      </p:to>
+                                    </p:set>
+                                    <p:set>
+                                      <p:cBhvr>
+                                        <p:cTn id="24" dur="500" fill="hold"/>
+                                        <p:tgtEl>
+                                          <p:spTgt spid="9">
+                                            <p:txEl>
+                                              <p:pRg st="2" end="2"/>
+                                            </p:txEl>
+                                          </p:spTgt>
+                                        </p:tgtEl>
+                                        <p:attrNameLst>
+                                          <p:attrName>fillcolor</p:attrName>
+                                        </p:attrNameLst>
+                                      </p:cBhvr>
+                                      <p:to>
+                                        <p:clrVal>
+                                          <a:schemeClr val="accent2"/>
+                                        </p:clrVal>
+                                      </p:to>
+                                    </p:set>
+                                    <p:set>
+                                      <p:cBhvr>
+                                        <p:cTn id="25" dur="500" fill="hold"/>
+                                        <p:tgtEl>
+                                          <p:spTgt spid="9">
+                                            <p:txEl>
+                                              <p:pRg st="2" end="2"/>
+                                            </p:txEl>
+                                          </p:spTgt>
+                                        </p:tgtEl>
+                                        <p:attrNameLst>
+                                          <p:attrName>fill.type</p:attrName>
+                                        </p:attrNameLst>
+                                      </p:cBhvr>
+                                      <p:to>
+                                        <p:strVal val="solid"/>
+                                      </p:to>
+                                    </p:set>
+                                  </p:childTnLst>
+                                </p:cTn>
+                              </p:par>
+                            </p:childTnLst>
+                          </p:cTn>
+                        </p:par>
+                      </p:childTnLst>
+                    </p:cTn>
+                  </p:par>
+                  <p:par>
+                    <p:cTn id="26" fill="hold">
+                      <p:stCondLst>
+                        <p:cond delay="indefinite"/>
+                      </p:stCondLst>
+                      <p:childTnLst>
+                        <p:par>
+                          <p:cTn id="27" fill="hold">
+                            <p:stCondLst>
+                              <p:cond delay="0"/>
+                            </p:stCondLst>
+                            <p:childTnLst>
+                              <p:par>
+                                <p:cTn id="28" presetID="16" presetClass="emph" presetSubtype="0" fill="hold" nodeType="clickEffect">
+                                  <p:stCondLst>
+                                    <p:cond delay="0"/>
+                                  </p:stCondLst>
+                                  <p:iterate type="lt">
+                                    <p:tmPct val="4000"/>
+                                  </p:iterate>
+                                  <p:childTnLst>
+                                    <p:set>
+                                      <p:cBhvr override="childStyle">
+                                        <p:cTn id="29" dur="500" fill="hold"/>
+                                        <p:tgtEl>
+                                          <p:spTgt spid="9">
+                                            <p:txEl>
+                                              <p:pRg st="3" end="3"/>
+                                            </p:txEl>
+                                          </p:spTgt>
+                                        </p:tgtEl>
+                                        <p:attrNameLst>
+                                          <p:attrName>style.color</p:attrName>
+                                        </p:attrNameLst>
+                                      </p:cBhvr>
+                                      <p:to>
+                                        <p:clrVal>
+                                          <a:schemeClr val="accent2"/>
+                                        </p:clrVal>
+                                      </p:to>
+                                    </p:set>
+                                    <p:set>
+                                      <p:cBhvr>
+                                        <p:cTn id="30" dur="500" fill="hold"/>
+                                        <p:tgtEl>
+                                          <p:spTgt spid="9">
+                                            <p:txEl>
+                                              <p:pRg st="3" end="3"/>
+                                            </p:txEl>
+                                          </p:spTgt>
+                                        </p:tgtEl>
+                                        <p:attrNameLst>
+                                          <p:attrName>fillcolor</p:attrName>
+                                        </p:attrNameLst>
+                                      </p:cBhvr>
+                                      <p:to>
+                                        <p:clrVal>
+                                          <a:schemeClr val="accent2"/>
+                                        </p:clrVal>
+                                      </p:to>
+                                    </p:set>
+                                    <p:set>
+                                      <p:cBhvr>
+                                        <p:cTn id="31" dur="500" fill="hold"/>
+                                        <p:tgtEl>
+                                          <p:spTgt spid="9">
+                                            <p:txEl>
+                                              <p:pRg st="3" end="3"/>
+                                            </p:txEl>
+                                          </p:spTgt>
+                                        </p:tgtEl>
+                                        <p:attrNameLst>
+                                          <p:attrName>fill.type</p:attrName>
+                                        </p:attrNameLst>
+                                      </p:cBhvr>
+                                      <p:to>
+                                        <p:strVal val="solid"/>
+                                      </p:to>
+                                    </p:set>
+                                  </p:childTnLst>
+                                </p:cTn>
+                              </p:par>
+                            </p:childTnLst>
+                          </p:cTn>
+                        </p:par>
+                      </p:childTnLst>
+                    </p:cTn>
+                  </p:par>
+                </p:childTnLst>
+              </p:cTn>
+              <p:prevCondLst>
+                <p:cond evt="onPrev" delay="0">
+                  <p:tgtEl>
+                    <p:sldTgt/>
+                  </p:tgtEl>
+                </p:cond>
+              </p:prevCondLst>
+              <p:nextCondLst>
+                <p:cond evt="onNext" delay="0">
+                  <p:tgtEl>
+                    <p:sldTgt/>
+                  </p:tgtEl>
+                </p:cond>
+              </p:nextCondLst>
+            </p:seq>
+          </p:childTnLst>
+        </p:cTn>
+      </p:par>
+    </p:tnLst>
+    <p:bldLst>
+      <p:bldP spid="8" grpId="0"/>
+    </p:bldLst>
+  </p:timing>
+</p:sld>
+</file>
+
+<file path=ppt/slides/slide11.xml><?xml version="1.0" encoding="utf-8"?>
+<p:sld xmlns:a="http://schemas.openxmlformats.org/drawingml/2006/main" xmlns:r="http://schemas.openxmlformats.org/officeDocument/2006/relationships" xmlns:p="http://schemas.openxmlformats.org/presentationml/2006/main">
+  <p:cSld>
+    <p:spTree>
+      <p:nvGrpSpPr>
+        <p:cNvPr id="1" name=""/>
+        <p:cNvGrpSpPr/>
+        <p:nvPr/>
+      </p:nvGrpSpPr>
+      <p:grpSpPr>
+        <a:xfrm>
+          <a:off x="0" y="0"/>
+          <a:ext cx="0" cy="0"/>
+          <a:chOff x="0" y="0"/>
+          <a:chExt cx="0" cy="0"/>
+        </a:xfrm>
+      </p:grpSpPr>
+      <p:sp>
+        <p:nvSpPr>
+          <p:cNvPr id="2" name="Title 1">
+            <a:extLst>
+              <a:ext uri="{FF2B5EF4-FFF2-40B4-BE49-F238E27FC236}">
+                <a16:creationId xmlns:a16="http://schemas.microsoft.com/office/drawing/2014/main" id="{B8EB5653-0F01-458D-B3A9-48F2D5013FD9}"/>
+              </a:ext>
+            </a:extLst>
+          </p:cNvPr>
+          <p:cNvSpPr>
+            <a:spLocks noGrp="1"/>
+          </p:cNvSpPr>
+          <p:nvPr>
+            <p:ph type="title"/>
+          </p:nvPr>
+        </p:nvSpPr>
+        <p:spPr/>
+        <p:txBody>
+          <a:bodyPr/>
+          <a:lstStyle/>
+          <a:p>
+            <a:r>
+              <a:rPr lang="en-US" dirty="0"/>
+              <a:t>Benefits </a:t>
+            </a:r>
+            <a:endParaRPr lang="en-IN" dirty="0"/>
+          </a:p>
+        </p:txBody>
+      </p:sp>
+      <p:sp>
+        <p:nvSpPr>
+          <p:cNvPr id="3" name="Content Placeholder 2">
+            <a:extLst>
+              <a:ext uri="{FF2B5EF4-FFF2-40B4-BE49-F238E27FC236}">
+                <a16:creationId xmlns:a16="http://schemas.microsoft.com/office/drawing/2014/main" id="{DA09D970-58BA-45A1-9B3A-AFAEE83F41B1}"/>
+              </a:ext>
+            </a:extLst>
+          </p:cNvPr>
+          <p:cNvSpPr>
+            <a:spLocks noGrp="1"/>
+          </p:cNvSpPr>
+          <p:nvPr>
+            <p:ph idx="1"/>
+          </p:nvPr>
+        </p:nvSpPr>
+        <p:spPr>
+          <a:xfrm>
+            <a:off x="958645" y="2103119"/>
+            <a:ext cx="10166555" cy="4268183"/>
+          </a:xfrm>
+        </p:spPr>
+        <p:txBody>
+          <a:bodyPr>
+            <a:noAutofit/>
+          </a:bodyPr>
+          <a:lstStyle/>
+          <a:p>
+            <a:pPr>
+              <a:buBlip>
+                <a:blip r:embed="rId3">
+                  <a:extLst>
+                    <a:ext uri="{96DAC541-7B7A-43D3-8B79-37D633B846F1}">
+                      <asvg:svgBlip xmlns:asvg="http://schemas.microsoft.com/office/drawing/2016/SVG/main" r:embed="rId4"/>
+                    </a:ext>
+                  </a:extLst>
+                </a:blip>
+              </a:buBlip>
+            </a:pPr>
+            <a:r>
+              <a:rPr lang="en-US" sz="2800" dirty="0"/>
+              <a:t>Saves time of customers in quickly order the Food. </a:t>
+            </a:r>
+          </a:p>
+          <a:p>
+            <a:pPr>
+              <a:buBlip>
+                <a:blip r:embed="rId3">
+                  <a:extLst>
+                    <a:ext uri="{96DAC541-7B7A-43D3-8B79-37D633B846F1}">
+                      <asvg:svgBlip xmlns:asvg="http://schemas.microsoft.com/office/drawing/2016/SVG/main" r:embed="rId4"/>
+                    </a:ext>
+                  </a:extLst>
+                </a:blip>
+              </a:buBlip>
+            </a:pPr>
+            <a:r>
+              <a:rPr lang="en-US" sz="2800" dirty="0"/>
+              <a:t> The ability to order anytime, from anywhere with Internet access. </a:t>
+            </a:r>
+          </a:p>
+          <a:p>
+            <a:pPr>
+              <a:buBlip>
+                <a:blip r:embed="rId3">
+                  <a:extLst>
+                    <a:ext uri="{96DAC541-7B7A-43D3-8B79-37D633B846F1}">
+                      <asvg:svgBlip xmlns:asvg="http://schemas.microsoft.com/office/drawing/2016/SVG/main" r:embed="rId4"/>
+                    </a:ext>
+                  </a:extLst>
+                </a:blip>
+              </a:buBlip>
+            </a:pPr>
+            <a:r>
+              <a:rPr lang="en-US" sz="2800" dirty="0"/>
+              <a:t> Provides the information about hotel facilities. </a:t>
+            </a:r>
+          </a:p>
+          <a:p>
+            <a:pPr>
+              <a:buBlip>
+                <a:blip r:embed="rId3">
+                  <a:extLst>
+                    <a:ext uri="{96DAC541-7B7A-43D3-8B79-37D633B846F1}">
+                      <asvg:svgBlip xmlns:asvg="http://schemas.microsoft.com/office/drawing/2016/SVG/main" r:embed="rId4"/>
+                    </a:ext>
+                  </a:extLst>
+                </a:blip>
+              </a:buBlip>
+            </a:pPr>
+            <a:r>
+              <a:rPr lang="en-US" sz="2800" dirty="0"/>
+              <a:t> very secure. </a:t>
+            </a:r>
+          </a:p>
+          <a:p>
+            <a:pPr>
+              <a:buBlip>
+                <a:blip r:embed="rId3">
+                  <a:extLst>
+                    <a:ext uri="{96DAC541-7B7A-43D3-8B79-37D633B846F1}">
+                      <asvg:svgBlip xmlns:asvg="http://schemas.microsoft.com/office/drawing/2016/SVG/main" r:embed="rId4"/>
+                    </a:ext>
+                  </a:extLst>
+                </a:blip>
+              </a:buBlip>
+            </a:pPr>
+            <a:r>
+              <a:rPr lang="en-US" sz="2800" dirty="0"/>
+              <a:t> User friendly.</a:t>
+            </a:r>
+          </a:p>
+          <a:p>
+            <a:pPr>
+              <a:buBlip>
+                <a:blip r:embed="rId3">
+                  <a:extLst>
+                    <a:ext uri="{96DAC541-7B7A-43D3-8B79-37D633B846F1}">
+                      <asvg:svgBlip xmlns:asvg="http://schemas.microsoft.com/office/drawing/2016/SVG/main" r:embed="rId4"/>
+                    </a:ext>
+                  </a:extLst>
+                </a:blip>
+              </a:buBlip>
+            </a:pPr>
+            <a:r>
+              <a:rPr lang="en-IN" sz="2800" dirty="0"/>
+              <a:t>Know about services about the hotel </a:t>
+            </a:r>
+          </a:p>
+          <a:p>
+            <a:pPr>
+              <a:buBlip>
+                <a:blip r:embed="rId3">
+                  <a:extLst>
+                    <a:ext uri="{96DAC541-7B7A-43D3-8B79-37D633B846F1}">
+                      <asvg:svgBlip xmlns:asvg="http://schemas.microsoft.com/office/drawing/2016/SVG/main" r:embed="rId4"/>
+                    </a:ext>
+                  </a:extLst>
+                </a:blip>
+              </a:buBlip>
+            </a:pPr>
+            <a:r>
+              <a:rPr lang="en-IN" sz="2800" dirty="0"/>
+              <a:t>Easily chat with chatbot and get his/her all query about the food and hotel</a:t>
+            </a:r>
+          </a:p>
+        </p:txBody>
+      </p:sp>
+    </p:spTree>
+    <p:extLst>
+      <p:ext uri="{BB962C8B-B14F-4D97-AF65-F5344CB8AC3E}">
+        <p14:creationId xmlns:p14="http://schemas.microsoft.com/office/powerpoint/2010/main" val="2238015218"/>
+      </p:ext>
+    </p:extLst>
+  </p:cSld>
+  <p:clrMapOvr>
+    <a:masterClrMapping/>
+  </p:clrMapOvr>
+  <p:timing>
+    <p:tnLst>
+      <p:par>
+        <p:cTn id="1" dur="indefinite" restart="never" nodeType="tmRoot">
+          <p:childTnLst>
+            <p:seq concurrent="1" nextAc="seek">
+              <p:cTn id="2" dur="indefinite" nodeType="mainSeq">
+                <p:childTnLst>
+                  <p:par>
+                    <p:cTn id="3" fill="hold">
+                      <p:stCondLst>
+                        <p:cond delay="indefinite"/>
+                      </p:stCondLst>
+                      <p:childTnLst>
+                        <p:par>
+                          <p:cTn id="4" fill="hold">
+                            <p:stCondLst>
+                              <p:cond delay="0"/>
+                            </p:stCondLst>
+                            <p:childTnLst>
+                              <p:par>
+                                <p:cTn id="5" presetID="6" presetClass="entr" presetSubtype="16" fill="hold" grpId="0" nodeType="clickEffect">
+                                  <p:stCondLst>
+                                    <p:cond delay="0"/>
+                                  </p:stCondLst>
+                                  <p:childTnLst>
+                                    <p:set>
+                                      <p:cBhvr>
+                                        <p:cTn id="6" dur="1" fill="hold">
+                                          <p:stCondLst>
+                                            <p:cond delay="0"/>
+                                          </p:stCondLst>
+                                        </p:cTn>
+                                        <p:tgtEl>
+                                          <p:spTgt spid="2"/>
+                                        </p:tgtEl>
+                                        <p:attrNameLst>
+                                          <p:attrName>style.visibility</p:attrName>
+                                        </p:attrNameLst>
+                                      </p:cBhvr>
+                                      <p:to>
+                                        <p:strVal val="visible"/>
+                                      </p:to>
+                                    </p:set>
+                                    <p:animEffect transition="in" filter="circle(in)">
+                                      <p:cBhvr>
+                                        <p:cTn id="7" dur="2000"/>
+                                        <p:tgtEl>
+                                          <p:spTgt spid="2"/>
+                                        </p:tgtEl>
+                                      </p:cBhvr>
+                                    </p:animEffect>
+                                  </p:childTnLst>
+                                </p:cTn>
+                              </p:par>
+                            </p:childTnLst>
+                          </p:cTn>
+                        </p:par>
+                      </p:childTnLst>
+                    </p:cTn>
+                  </p:par>
+                  <p:par>
+                    <p:cTn id="8" fill="hold">
+                      <p:stCondLst>
+                        <p:cond delay="indefinite"/>
+                      </p:stCondLst>
+                      <p:childTnLst>
+                        <p:par>
+                          <p:cTn id="9" fill="hold">
+                            <p:stCondLst>
+                              <p:cond delay="0"/>
+                            </p:stCondLst>
+                            <p:childTnLst>
+                              <p:par>
+                                <p:cTn id="10" presetID="12" presetClass="entr" presetSubtype="4" fill="hold" nodeType="clickEffect">
+                                  <p:stCondLst>
+                                    <p:cond delay="250"/>
+                                  </p:stCondLst>
+                                  <p:childTnLst>
+                                    <p:set>
+                                      <p:cBhvr>
+                                        <p:cTn id="11" dur="1" fill="hold">
+                                          <p:stCondLst>
+                                            <p:cond delay="0"/>
+                                          </p:stCondLst>
+                                        </p:cTn>
+                                        <p:tgtEl>
+                                          <p:spTgt spid="3">
+                                            <p:txEl>
+                                              <p:pRg st="0" end="0"/>
+                                            </p:txEl>
+                                          </p:spTgt>
+                                        </p:tgtEl>
+                                        <p:attrNameLst>
+                                          <p:attrName>style.visibility</p:attrName>
+                                        </p:attrNameLst>
+                                      </p:cBhvr>
+                                      <p:to>
+                                        <p:strVal val="visible"/>
+                                      </p:to>
+                                    </p:set>
+                                    <p:anim calcmode="lin" valueType="num">
+                                      <p:cBhvr additive="base">
+                                        <p:cTn id="12" dur="500"/>
+                                        <p:tgtEl>
+                                          <p:spTgt spid="3">
+                                            <p:txEl>
+                                              <p:pRg st="0" end="0"/>
+                                            </p:txEl>
+                                          </p:spTgt>
+                                        </p:tgtEl>
+                                        <p:attrNameLst>
+                                          <p:attrName>ppt_y</p:attrName>
+                                        </p:attrNameLst>
+                                      </p:cBhvr>
+                                      <p:tavLst>
+                                        <p:tav tm="0">
+                                          <p:val>
+                                            <p:strVal val="#ppt_y+#ppt_h*1.125000"/>
+                                          </p:val>
+                                        </p:tav>
+                                        <p:tav tm="100000">
+                                          <p:val>
+                                            <p:strVal val="#ppt_y"/>
+                                          </p:val>
+                                        </p:tav>
+                                      </p:tavLst>
+                                    </p:anim>
+                                    <p:animEffect transition="in" filter="wipe(up)">
+                                      <p:cBhvr>
+                                        <p:cTn id="13" dur="500"/>
+                                        <p:tgtEl>
+                                          <p:spTgt spid="3">
+                                            <p:txEl>
+                                              <p:pRg st="0" end="0"/>
+                                            </p:txEl>
+                                          </p:spTgt>
+                                        </p:tgtEl>
+                                      </p:cBhvr>
+                                    </p:animEffect>
+                                  </p:childTnLst>
+                                </p:cTn>
+                              </p:par>
+                            </p:childTnLst>
+                          </p:cTn>
+                        </p:par>
+                      </p:childTnLst>
+                    </p:cTn>
+                  </p:par>
+                </p:childTnLst>
+              </p:cTn>
+              <p:prevCondLst>
+                <p:cond evt="onPrev" delay="0">
+                  <p:tgtEl>
+                    <p:sldTgt/>
+                  </p:tgtEl>
+                </p:cond>
+              </p:prevCondLst>
+              <p:nextCondLst>
+                <p:cond evt="onNext" delay="0">
+                  <p:tgtEl>
+                    <p:sldTgt/>
+                  </p:tgtEl>
+                </p:cond>
+              </p:nextCondLst>
+            </p:seq>
+          </p:childTnLst>
+        </p:cTn>
+      </p:par>
+    </p:tnLst>
+    <p:bldLst>
+      <p:bldP spid="2" grpId="0"/>
+    </p:bldLst>
+  </p:timing>
+</p:sld>
+</file>
+
+<file path=ppt/slides/slide12.xml><?xml version="1.0" encoding="utf-8"?>
+<p:sld xmlns:a="http://schemas.openxmlformats.org/drawingml/2006/main" xmlns:r="http://schemas.openxmlformats.org/officeDocument/2006/relationships" xmlns:p="http://schemas.openxmlformats.org/presentationml/2006/main">
+  <p:cSld>
+    <p:spTree>
+      <p:nvGrpSpPr>
+        <p:cNvPr id="1" name=""/>
+        <p:cNvGrpSpPr/>
+        <p:nvPr/>
+      </p:nvGrpSpPr>
+      <p:grpSpPr>
+        <a:xfrm>
+          <a:off x="0" y="0"/>
+          <a:ext cx="0" cy="0"/>
+          <a:chOff x="0" y="0"/>
+          <a:chExt cx="0" cy="0"/>
+        </a:xfrm>
+      </p:grpSpPr>
+      <p:sp>
+        <p:nvSpPr>
           <p:cNvPr id="2" name="Title 1">
             <a:extLst>
               <a:ext uri="{FF2B5EF4-FFF2-40B4-BE49-F238E27FC236}">
@@ -11068,19 +12043,66 @@
             <p:ph idx="1"/>
           </p:nvPr>
         </p:nvSpPr>
-        <p:spPr/>
+        <p:spPr>
+          <a:xfrm>
+            <a:off x="1066800" y="2103120"/>
+            <a:ext cx="10058400" cy="4112286"/>
+          </a:xfrm>
+        </p:spPr>
         <p:txBody>
           <a:bodyPr>
-            <a:normAutofit/>
+            <a:normAutofit lnSpcReduction="10000"/>
           </a:bodyPr>
           <a:lstStyle/>
           <a:p>
-            <a:pPr marL="0" indent="0">
-              <a:buNone/>
+            <a:pPr>
+              <a:buBlip>
+                <a:blip r:embed="rId3">
+                  <a:extLst>
+                    <a:ext uri="{96DAC541-7B7A-43D3-8B79-37D633B846F1}">
+                      <asvg:svgBlip xmlns:asvg="http://schemas.microsoft.com/office/drawing/2016/SVG/main" r:embed="rId4"/>
+                    </a:ext>
+                  </a:extLst>
+                </a:blip>
+              </a:buBlip>
             </a:pPr>
             <a:r>
               <a:rPr lang="en-US" sz="2800" dirty="0"/>
-              <a:t>The purpose of the hotel website is to save the users and hotel staff time and as a hotel boss no need to more workers he does his work via few workers. A clear understanding of the hotel website and its functionality will allow for the correct software to be developed for the end-user and will be used for the development of the future stages of the project. On our website, there is an option to book a table online but our future plan is to order food online also because we want to provide full customer satisfaction and we are working on that. </a:t>
+              <a:t>The purpose of the hotel website is to save the users and hotel staff time and as a hotel boss no need to more workers he does his work via few workers. </a:t>
+            </a:r>
+          </a:p>
+          <a:p>
+            <a:pPr>
+              <a:buBlip>
+                <a:blip r:embed="rId3">
+                  <a:extLst>
+                    <a:ext uri="{96DAC541-7B7A-43D3-8B79-37D633B846F1}">
+                      <asvg:svgBlip xmlns:asvg="http://schemas.microsoft.com/office/drawing/2016/SVG/main" r:embed="rId4"/>
+                    </a:ext>
+                  </a:extLst>
+                </a:blip>
+              </a:buBlip>
+            </a:pPr>
+            <a:r>
+              <a:rPr lang="en-US" sz="2800" dirty="0"/>
+              <a:t>A clear understanding of the hotel website and its functionality will allow for the correct software to be developed for the end-user and will be used for the development of the future stages of the project. </a:t>
+            </a:r>
+          </a:p>
+          <a:p>
+            <a:pPr>
+              <a:buBlip>
+                <a:blip r:embed="rId3">
+                  <a:extLst>
+                    <a:ext uri="{96DAC541-7B7A-43D3-8B79-37D633B846F1}">
+                      <asvg:svgBlip xmlns:asvg="http://schemas.microsoft.com/office/drawing/2016/SVG/main" r:embed="rId4"/>
+                    </a:ext>
+                  </a:extLst>
+                </a:blip>
+              </a:buBlip>
+            </a:pPr>
+            <a:r>
+              <a:rPr lang="en-US" sz="2800" dirty="0"/>
+              <a:t>On our website, there is an option to book a table online but our future plan is to order food online also because we want to provide full customer satisfaction and we are working on that. </a:t>
             </a:r>
             <a:endParaRPr lang="en-IN" sz="2800" dirty="0"/>
           </a:p>
@@ -11205,6 +12227,102 @@
                       </p:childTnLst>
                     </p:cTn>
                   </p:par>
+                  <p:par>
+                    <p:cTn id="12" fill="hold">
+                      <p:stCondLst>
+                        <p:cond delay="indefinite"/>
+                      </p:stCondLst>
+                      <p:childTnLst>
+                        <p:par>
+                          <p:cTn id="13" fill="hold">
+                            <p:stCondLst>
+                              <p:cond delay="0"/>
+                            </p:stCondLst>
+                            <p:childTnLst>
+                              <p:par>
+                                <p:cTn id="14" presetID="15" presetClass="emph" presetSubtype="0" nodeType="clickEffect">
+                                  <p:stCondLst>
+                                    <p:cond delay="0"/>
+                                  </p:stCondLst>
+                                  <p:iterate type="lt">
+                                    <p:tmAbs val="25"/>
+                                  </p:iterate>
+                                  <p:childTnLst>
+                                    <p:set>
+                                      <p:cBhvr override="childStyle">
+                                        <p:cTn id="15" dur="indefinite"/>
+                                        <p:tgtEl>
+                                          <p:spTgt spid="3">
+                                            <p:txEl>
+                                              <p:pRg st="1" end="1"/>
+                                            </p:txEl>
+                                          </p:spTgt>
+                                        </p:tgtEl>
+                                        <p:attrNameLst>
+                                          <p:attrName>style.fontWeight</p:attrName>
+                                        </p:attrNameLst>
+                                      </p:cBhvr>
+                                      <p:to>
+                                        <p:strVal val="bold"/>
+                                      </p:to>
+                                    </p:set>
+                                  </p:childTnLst>
+                                </p:cTn>
+                              </p:par>
+                            </p:childTnLst>
+                          </p:cTn>
+                        </p:par>
+                      </p:childTnLst>
+                    </p:cTn>
+                  </p:par>
+                  <p:par>
+                    <p:cTn id="16" fill="hold">
+                      <p:stCondLst>
+                        <p:cond delay="indefinite"/>
+                      </p:stCondLst>
+                      <p:childTnLst>
+                        <p:par>
+                          <p:cTn id="17" fill="hold">
+                            <p:stCondLst>
+                              <p:cond delay="0"/>
+                            </p:stCondLst>
+                            <p:childTnLst>
+                              <p:par>
+                                <p:cTn id="18" presetID="15" presetClass="emph" presetSubtype="0" nodeType="clickEffect">
+                                  <p:stCondLst>
+                                    <p:cond delay="0"/>
+                                  </p:stCondLst>
+                                  <p:iterate type="lt">
+                                    <p:tmAbs val="25"/>
+                                  </p:iterate>
+                                  <p:childTnLst>
+                                    <p:set>
+                                      <p:cBhvr override="childStyle">
+                                        <p:cTn id="19" dur="indefinite"/>
+                                        <p:tgtEl>
+                                          <p:spTgt spid="3">
+                                            <p:txEl>
+                                              <p:pRg st="2" end="2"/>
+                                            </p:txEl>
+                                          </p:spTgt>
+                                        </p:tgtEl>
+                                        <p:attrNameLst>
+                                          <p:attrName>style.fontWeight</p:attrName>
+                                        </p:attrNameLst>
+                                      </p:cBhvr>
+                                      <p:to>
+                                        <p:strVal val="bold"/>
+                                      </p:to>
+                                    </p:set>
+                                  </p:childTnLst>
+                                </p:cTn>
+                              </p:par>
+                            </p:childTnLst>
+                          </p:cTn>
+                        </p:par>
+                      </p:childTnLst>
+                    </p:cTn>
+                  </p:par>
                 </p:childTnLst>
               </p:cTn>
               <p:prevCondLst>
@@ -11233,7 +12351,7 @@
 </p:sld>
 </file>
 
-<file path=ppt/slides/slide11.xml><?xml version="1.0" encoding="utf-8"?>
+<file path=ppt/slides/slide13.xml><?xml version="1.0" encoding="utf-8"?>
 <p:sld xmlns:a="http://schemas.openxmlformats.org/drawingml/2006/main" xmlns:r="http://schemas.openxmlformats.org/officeDocument/2006/relationships" xmlns:p="http://schemas.openxmlformats.org/presentationml/2006/main">
   <p:cSld>
     <p:spTree>
@@ -11341,7 +12459,7 @@
 </p:sld>
 </file>
 
-<file path=ppt/slides/slide12.xml><?xml version="1.0" encoding="utf-8"?>
+<file path=ppt/slides/slide14.xml><?xml version="1.0" encoding="utf-8"?>
 <p:sld xmlns:a="http://schemas.openxmlformats.org/drawingml/2006/main" xmlns:r="http://schemas.openxmlformats.org/officeDocument/2006/relationships" xmlns:p="http://schemas.openxmlformats.org/presentationml/2006/main">
   <p:cSld>
     <p:spTree>
@@ -11515,7 +12633,7 @@
 </p:sld>
 </file>
 
-<file path=ppt/slides/slide13.xml><?xml version="1.0" encoding="utf-8"?>
+<file path=ppt/slides/slide15.xml><?xml version="1.0" encoding="utf-8"?>
 <p:sld xmlns:a="http://schemas.openxmlformats.org/drawingml/2006/main" xmlns:r="http://schemas.openxmlformats.org/officeDocument/2006/relationships" xmlns:p="http://schemas.openxmlformats.org/presentationml/2006/main">
   <p:cSld>
     <p:spTree>
@@ -11577,7 +12695,12 @@
             <p:ph idx="1"/>
           </p:nvPr>
         </p:nvSpPr>
-        <p:spPr/>
+        <p:spPr>
+          <a:xfrm>
+            <a:off x="668593" y="1778655"/>
+            <a:ext cx="10058400" cy="4356674"/>
+          </a:xfrm>
+        </p:spPr>
         <p:txBody>
           <a:bodyPr>
             <a:noAutofit/>
@@ -11589,7 +12712,25 @@
             </a:pPr>
             <a:r>
               <a:rPr lang="en-US" sz="2800" dirty="0"/>
-              <a:t>Hotel management system now-a-day have the advantage of modernization. Computer have done the work more easy. Computer is playing a important role in management. Reports are made on daily basis for every customer check in or check out which can easily be seen by the management. Hotel management system has also primary purpose is to provide facilities to customers. A software for computers makes the things many times easy, these are made as user friendly and to keep an check and balance in hotel management and accounts as well. So ,these things are important</a:t>
+              <a:t>Hotel management system now-a-day have the advantage of modernization. Computer have done the work more easy.</a:t>
+            </a:r>
+          </a:p>
+          <a:p>
+            <a:pPr marL="0" indent="0">
+              <a:buNone/>
+            </a:pPr>
+            <a:r>
+              <a:rPr lang="en-US" sz="2800" dirty="0"/>
+              <a:t> Computer is playing a important role in management. Reports are made on daily basis for every customer check in or check out which can easily be seen by the management. Hotel management system has also primary purpose is to provide facilities to customers.</a:t>
+            </a:r>
+          </a:p>
+          <a:p>
+            <a:pPr marL="0" indent="0">
+              <a:buNone/>
+            </a:pPr>
+            <a:r>
+              <a:rPr lang="en-US" sz="2800" dirty="0"/>
+              <a:t> A software for computers makes the things many times easy, these are made as user friendly and to keep an check and balance in hotel management and accounts as well. So ,these things are important</a:t>
             </a:r>
             <a:endParaRPr lang="en-IN" sz="2800" dirty="0"/>
           </a:p>
@@ -11608,7 +12749,7 @@
 </p:sld>
 </file>
 
-<file path=ppt/slides/slide14.xml><?xml version="1.0" encoding="utf-8"?>
+<file path=ppt/slides/slide16.xml><?xml version="1.0" encoding="utf-8"?>
 <p:sld xmlns:a="http://schemas.openxmlformats.org/drawingml/2006/main" xmlns:r="http://schemas.openxmlformats.org/officeDocument/2006/relationships" xmlns:p="http://schemas.openxmlformats.org/presentationml/2006/main">
   <p:cSld>
     <p:spTree>
@@ -11713,12 +12854,14 @@
         </p:nvSpPr>
         <p:spPr>
           <a:xfrm>
-            <a:off x="1357313" y="3308350"/>
-            <a:ext cx="4633912" cy="2141632"/>
+            <a:off x="2064773" y="3308350"/>
+            <a:ext cx="3926451" cy="2141632"/>
           </a:xfrm>
         </p:spPr>
         <p:txBody>
-          <a:bodyPr/>
+          <a:bodyPr>
+            <a:normAutofit/>
+          </a:bodyPr>
           <a:lstStyle/>
           <a:p>
             <a:r>
@@ -11738,8 +12881,23 @@
           <a:p>
             <a:r>
               <a:rPr lang="en-US" dirty="0"/>
-              <a:t>Website link: </a:t>
-            </a:r>
+              <a:t>Website link:</a:t>
+            </a:r>
+          </a:p>
+          <a:p>
+            <a:r>
+              <a:rPr lang="en-US" dirty="0">
+                <a:hlinkClick r:id="rId5"/>
+              </a:rPr>
+              <a:t>Hotel Management System </a:t>
+            </a:r>
+            <a:endParaRPr lang="en-US" dirty="0"/>
+          </a:p>
+          <a:p>
+            <a:endParaRPr lang="en-US" dirty="0"/>
+          </a:p>
+          <a:p>
+            <a:endParaRPr lang="en-US" dirty="0"/>
           </a:p>
         </p:txBody>
       </p:sp>
@@ -11909,7 +13067,7 @@
             <a:fld id="{34B7E4EF-A1BD-40F4-AB7B-04F084DD991D}" type="slidenum">
               <a:rPr lang="en-US" sz="1500" b="1" smtClean="0"/>
               <a:pPr algn="ctr"/>
-              <a:t>14</a:t>
+              <a:t>16</a:t>
             </a:fld>
             <a:endParaRPr lang="en-US" sz="1500" b="1" dirty="0"/>
           </a:p>
@@ -12174,10 +13332,9 @@
               </a:buBlip>
             </a:pPr>
             <a:r>
-              <a:rPr lang="en-US" sz="2200"/>
+              <a:rPr lang="en-US" sz="2200" dirty="0"/>
               <a:t>Conclusion</a:t>
             </a:r>
-            <a:endParaRPr lang="en-US" sz="2200" dirty="0"/>
           </a:p>
         </p:txBody>
       </p:sp>
@@ -12259,1079 +13416,6 @@
   <p:clrMapOvr>
     <a:masterClrMapping/>
   </p:clrMapOvr>
-  <p:timing>
-    <p:tnLst>
-      <p:par>
-        <p:cTn id="1" dur="indefinite" restart="never" nodeType="tmRoot">
-          <p:childTnLst>
-            <p:seq concurrent="1" nextAc="seek">
-              <p:cTn id="2" dur="indefinite" nodeType="mainSeq">
-                <p:childTnLst>
-                  <p:par>
-                    <p:cTn id="3" fill="hold">
-                      <p:stCondLst>
-                        <p:cond delay="indefinite"/>
-                      </p:stCondLst>
-                      <p:childTnLst>
-                        <p:par>
-                          <p:cTn id="4" fill="hold">
-                            <p:stCondLst>
-                              <p:cond delay="0"/>
-                            </p:stCondLst>
-                            <p:childTnLst>
-                              <p:par>
-                                <p:cTn id="5" presetID="22" presetClass="entr" presetSubtype="4" fill="hold" nodeType="clickEffect">
-                                  <p:stCondLst>
-                                    <p:cond delay="0"/>
-                                  </p:stCondLst>
-                                  <p:childTnLst>
-                                    <p:set>
-                                      <p:cBhvr>
-                                        <p:cTn id="6" dur="1" fill="hold">
-                                          <p:stCondLst>
-                                            <p:cond delay="0"/>
-                                          </p:stCondLst>
-                                        </p:cTn>
-                                        <p:tgtEl>
-                                          <p:spTgt spid="45"/>
-                                        </p:tgtEl>
-                                        <p:attrNameLst>
-                                          <p:attrName>style.visibility</p:attrName>
-                                        </p:attrNameLst>
-                                      </p:cBhvr>
-                                      <p:to>
-                                        <p:strVal val="visible"/>
-                                      </p:to>
-                                    </p:set>
-                                    <p:animEffect transition="in" filter="wipe(down)">
-                                      <p:cBhvr>
-                                        <p:cTn id="7" dur="500"/>
-                                        <p:tgtEl>
-                                          <p:spTgt spid="45"/>
-                                        </p:tgtEl>
-                                      </p:cBhvr>
-                                    </p:animEffect>
-                                  </p:childTnLst>
-                                </p:cTn>
-                              </p:par>
-                            </p:childTnLst>
-                          </p:cTn>
-                        </p:par>
-                      </p:childTnLst>
-                    </p:cTn>
-                  </p:par>
-                  <p:par>
-                    <p:cTn id="8" fill="hold">
-                      <p:stCondLst>
-                        <p:cond delay="indefinite"/>
-                      </p:stCondLst>
-                      <p:childTnLst>
-                        <p:par>
-                          <p:cTn id="9" fill="hold">
-                            <p:stCondLst>
-                              <p:cond delay="0"/>
-                            </p:stCondLst>
-                            <p:childTnLst>
-                              <p:par>
-                                <p:cTn id="10" presetID="16" presetClass="entr" presetSubtype="21" fill="hold" nodeType="clickEffect">
-                                  <p:stCondLst>
-                                    <p:cond delay="0"/>
-                                  </p:stCondLst>
-                                  <p:childTnLst>
-                                    <p:set>
-                                      <p:cBhvr>
-                                        <p:cTn id="11" dur="1" fill="hold">
-                                          <p:stCondLst>
-                                            <p:cond delay="0"/>
-                                          </p:stCondLst>
-                                        </p:cTn>
-                                        <p:tgtEl>
-                                          <p:spTgt spid="47"/>
-                                        </p:tgtEl>
-                                        <p:attrNameLst>
-                                          <p:attrName>style.visibility</p:attrName>
-                                        </p:attrNameLst>
-                                      </p:cBhvr>
-                                      <p:to>
-                                        <p:strVal val="visible"/>
-                                      </p:to>
-                                    </p:set>
-                                    <p:animEffect transition="in" filter="barn(inVertical)">
-                                      <p:cBhvr>
-                                        <p:cTn id="12" dur="500"/>
-                                        <p:tgtEl>
-                                          <p:spTgt spid="47"/>
-                                        </p:tgtEl>
-                                      </p:cBhvr>
-                                    </p:animEffect>
-                                  </p:childTnLst>
-                                </p:cTn>
-                              </p:par>
-                            </p:childTnLst>
-                          </p:cTn>
-                        </p:par>
-                      </p:childTnLst>
-                    </p:cTn>
-                  </p:par>
-                  <p:par>
-                    <p:cTn id="13" fill="hold">
-                      <p:stCondLst>
-                        <p:cond delay="indefinite"/>
-                      </p:stCondLst>
-                      <p:childTnLst>
-                        <p:par>
-                          <p:cTn id="14" fill="hold">
-                            <p:stCondLst>
-                              <p:cond delay="0"/>
-                            </p:stCondLst>
-                            <p:childTnLst>
-                              <p:par>
-                                <p:cTn id="15" presetID="22" presetClass="entr" presetSubtype="4" fill="hold" grpId="0" nodeType="clickEffect">
-                                  <p:stCondLst>
-                                    <p:cond delay="0"/>
-                                  </p:stCondLst>
-                                  <p:childTnLst>
-                                    <p:set>
-                                      <p:cBhvr>
-                                        <p:cTn id="16" dur="1" fill="hold">
-                                          <p:stCondLst>
-                                            <p:cond delay="0"/>
-                                          </p:stCondLst>
-                                        </p:cTn>
-                                        <p:tgtEl>
-                                          <p:spTgt spid="40"/>
-                                        </p:tgtEl>
-                                        <p:attrNameLst>
-                                          <p:attrName>style.visibility</p:attrName>
-                                        </p:attrNameLst>
-                                      </p:cBhvr>
-                                      <p:to>
-                                        <p:strVal val="visible"/>
-                                      </p:to>
-                                    </p:set>
-                                    <p:animEffect transition="in" filter="wipe(down)">
-                                      <p:cBhvr>
-                                        <p:cTn id="17" dur="500"/>
-                                        <p:tgtEl>
-                                          <p:spTgt spid="40"/>
-                                        </p:tgtEl>
-                                      </p:cBhvr>
-                                    </p:animEffect>
-                                  </p:childTnLst>
-                                </p:cTn>
-                              </p:par>
-                            </p:childTnLst>
-                          </p:cTn>
-                        </p:par>
-                      </p:childTnLst>
-                    </p:cTn>
-                  </p:par>
-                  <p:par>
-                    <p:cTn id="18" fill="hold">
-                      <p:stCondLst>
-                        <p:cond delay="indefinite"/>
-                      </p:stCondLst>
-                      <p:childTnLst>
-                        <p:par>
-                          <p:cTn id="19" fill="hold">
-                            <p:stCondLst>
-                              <p:cond delay="0"/>
-                            </p:stCondLst>
-                            <p:childTnLst>
-                              <p:par>
-                                <p:cTn id="20" presetID="16" presetClass="emph" presetSubtype="0" fill="hold" grpId="0" nodeType="clickEffect">
-                                  <p:stCondLst>
-                                    <p:cond delay="250"/>
-                                  </p:stCondLst>
-                                  <p:iterate type="lt">
-                                    <p:tmPct val="4000"/>
-                                  </p:iterate>
-                                  <p:childTnLst>
-                                    <p:set>
-                                      <p:cBhvr override="childStyle">
-                                        <p:cTn id="21" dur="500" fill="hold"/>
-                                        <p:tgtEl>
-                                          <p:spTgt spid="41">
-                                            <p:txEl>
-                                              <p:pRg st="0" end="0"/>
-                                            </p:txEl>
-                                          </p:spTgt>
-                                        </p:tgtEl>
-                                        <p:attrNameLst>
-                                          <p:attrName>style.color</p:attrName>
-                                        </p:attrNameLst>
-                                      </p:cBhvr>
-                                      <p:to>
-                                        <p:clrVal>
-                                          <a:schemeClr val="accent2"/>
-                                        </p:clrVal>
-                                      </p:to>
-                                    </p:set>
-                                    <p:set>
-                                      <p:cBhvr>
-                                        <p:cTn id="22" dur="500" fill="hold"/>
-                                        <p:tgtEl>
-                                          <p:spTgt spid="41">
-                                            <p:txEl>
-                                              <p:pRg st="0" end="0"/>
-                                            </p:txEl>
-                                          </p:spTgt>
-                                        </p:tgtEl>
-                                        <p:attrNameLst>
-                                          <p:attrName>fillcolor</p:attrName>
-                                        </p:attrNameLst>
-                                      </p:cBhvr>
-                                      <p:to>
-                                        <p:clrVal>
-                                          <a:schemeClr val="accent2"/>
-                                        </p:clrVal>
-                                      </p:to>
-                                    </p:set>
-                                    <p:set>
-                                      <p:cBhvr>
-                                        <p:cTn id="23" dur="500" fill="hold"/>
-                                        <p:tgtEl>
-                                          <p:spTgt spid="41">
-                                            <p:txEl>
-                                              <p:pRg st="0" end="0"/>
-                                            </p:txEl>
-                                          </p:spTgt>
-                                        </p:tgtEl>
-                                        <p:attrNameLst>
-                                          <p:attrName>fill.type</p:attrName>
-                                        </p:attrNameLst>
-                                      </p:cBhvr>
-                                      <p:to>
-                                        <p:strVal val="solid"/>
-                                      </p:to>
-                                    </p:set>
-                                  </p:childTnLst>
-                                </p:cTn>
-                              </p:par>
-                            </p:childTnLst>
-                          </p:cTn>
-                        </p:par>
-                      </p:childTnLst>
-                    </p:cTn>
-                  </p:par>
-                  <p:par>
-                    <p:cTn id="24" fill="hold">
-                      <p:stCondLst>
-                        <p:cond delay="indefinite"/>
-                      </p:stCondLst>
-                      <p:childTnLst>
-                        <p:par>
-                          <p:cTn id="25" fill="hold">
-                            <p:stCondLst>
-                              <p:cond delay="0"/>
-                            </p:stCondLst>
-                            <p:childTnLst>
-                              <p:par>
-                                <p:cTn id="26" presetID="16" presetClass="emph" presetSubtype="0" fill="hold" grpId="0" nodeType="clickEffect">
-                                  <p:stCondLst>
-                                    <p:cond delay="250"/>
-                                  </p:stCondLst>
-                                  <p:iterate type="lt">
-                                    <p:tmPct val="4000"/>
-                                  </p:iterate>
-                                  <p:childTnLst>
-                                    <p:set>
-                                      <p:cBhvr override="childStyle">
-                                        <p:cTn id="27" dur="500" fill="hold"/>
-                                        <p:tgtEl>
-                                          <p:spTgt spid="41">
-                                            <p:txEl>
-                                              <p:pRg st="1" end="1"/>
-                                            </p:txEl>
-                                          </p:spTgt>
-                                        </p:tgtEl>
-                                        <p:attrNameLst>
-                                          <p:attrName>style.color</p:attrName>
-                                        </p:attrNameLst>
-                                      </p:cBhvr>
-                                      <p:to>
-                                        <p:clrVal>
-                                          <a:schemeClr val="accent2"/>
-                                        </p:clrVal>
-                                      </p:to>
-                                    </p:set>
-                                    <p:set>
-                                      <p:cBhvr>
-                                        <p:cTn id="28" dur="500" fill="hold"/>
-                                        <p:tgtEl>
-                                          <p:spTgt spid="41">
-                                            <p:txEl>
-                                              <p:pRg st="1" end="1"/>
-                                            </p:txEl>
-                                          </p:spTgt>
-                                        </p:tgtEl>
-                                        <p:attrNameLst>
-                                          <p:attrName>fillcolor</p:attrName>
-                                        </p:attrNameLst>
-                                      </p:cBhvr>
-                                      <p:to>
-                                        <p:clrVal>
-                                          <a:schemeClr val="accent2"/>
-                                        </p:clrVal>
-                                      </p:to>
-                                    </p:set>
-                                    <p:set>
-                                      <p:cBhvr>
-                                        <p:cTn id="29" dur="500" fill="hold"/>
-                                        <p:tgtEl>
-                                          <p:spTgt spid="41">
-                                            <p:txEl>
-                                              <p:pRg st="1" end="1"/>
-                                            </p:txEl>
-                                          </p:spTgt>
-                                        </p:tgtEl>
-                                        <p:attrNameLst>
-                                          <p:attrName>fill.type</p:attrName>
-                                        </p:attrNameLst>
-                                      </p:cBhvr>
-                                      <p:to>
-                                        <p:strVal val="solid"/>
-                                      </p:to>
-                                    </p:set>
-                                  </p:childTnLst>
-                                </p:cTn>
-                              </p:par>
-                            </p:childTnLst>
-                          </p:cTn>
-                        </p:par>
-                      </p:childTnLst>
-                    </p:cTn>
-                  </p:par>
-                  <p:par>
-                    <p:cTn id="30" fill="hold">
-                      <p:stCondLst>
-                        <p:cond delay="indefinite"/>
-                      </p:stCondLst>
-                      <p:childTnLst>
-                        <p:par>
-                          <p:cTn id="31" fill="hold">
-                            <p:stCondLst>
-                              <p:cond delay="0"/>
-                            </p:stCondLst>
-                            <p:childTnLst>
-                              <p:par>
-                                <p:cTn id="32" presetID="16" presetClass="emph" presetSubtype="0" fill="hold" grpId="0" nodeType="clickEffect">
-                                  <p:stCondLst>
-                                    <p:cond delay="250"/>
-                                  </p:stCondLst>
-                                  <p:iterate type="lt">
-                                    <p:tmPct val="4000"/>
-                                  </p:iterate>
-                                  <p:childTnLst>
-                                    <p:set>
-                                      <p:cBhvr override="childStyle">
-                                        <p:cTn id="33" dur="500" fill="hold"/>
-                                        <p:tgtEl>
-                                          <p:spTgt spid="41">
-                                            <p:txEl>
-                                              <p:pRg st="2" end="2"/>
-                                            </p:txEl>
-                                          </p:spTgt>
-                                        </p:tgtEl>
-                                        <p:attrNameLst>
-                                          <p:attrName>style.color</p:attrName>
-                                        </p:attrNameLst>
-                                      </p:cBhvr>
-                                      <p:to>
-                                        <p:clrVal>
-                                          <a:schemeClr val="accent2"/>
-                                        </p:clrVal>
-                                      </p:to>
-                                    </p:set>
-                                    <p:set>
-                                      <p:cBhvr>
-                                        <p:cTn id="34" dur="500" fill="hold"/>
-                                        <p:tgtEl>
-                                          <p:spTgt spid="41">
-                                            <p:txEl>
-                                              <p:pRg st="2" end="2"/>
-                                            </p:txEl>
-                                          </p:spTgt>
-                                        </p:tgtEl>
-                                        <p:attrNameLst>
-                                          <p:attrName>fillcolor</p:attrName>
-                                        </p:attrNameLst>
-                                      </p:cBhvr>
-                                      <p:to>
-                                        <p:clrVal>
-                                          <a:schemeClr val="accent2"/>
-                                        </p:clrVal>
-                                      </p:to>
-                                    </p:set>
-                                    <p:set>
-                                      <p:cBhvr>
-                                        <p:cTn id="35" dur="500" fill="hold"/>
-                                        <p:tgtEl>
-                                          <p:spTgt spid="41">
-                                            <p:txEl>
-                                              <p:pRg st="2" end="2"/>
-                                            </p:txEl>
-                                          </p:spTgt>
-                                        </p:tgtEl>
-                                        <p:attrNameLst>
-                                          <p:attrName>fill.type</p:attrName>
-                                        </p:attrNameLst>
-                                      </p:cBhvr>
-                                      <p:to>
-                                        <p:strVal val="solid"/>
-                                      </p:to>
-                                    </p:set>
-                                  </p:childTnLst>
-                                </p:cTn>
-                              </p:par>
-                            </p:childTnLst>
-                          </p:cTn>
-                        </p:par>
-                      </p:childTnLst>
-                    </p:cTn>
-                  </p:par>
-                  <p:par>
-                    <p:cTn id="36" fill="hold">
-                      <p:stCondLst>
-                        <p:cond delay="indefinite"/>
-                      </p:stCondLst>
-                      <p:childTnLst>
-                        <p:par>
-                          <p:cTn id="37" fill="hold">
-                            <p:stCondLst>
-                              <p:cond delay="0"/>
-                            </p:stCondLst>
-                            <p:childTnLst>
-                              <p:par>
-                                <p:cTn id="38" presetID="16" presetClass="emph" presetSubtype="0" fill="hold" grpId="0" nodeType="clickEffect">
-                                  <p:stCondLst>
-                                    <p:cond delay="250"/>
-                                  </p:stCondLst>
-                                  <p:iterate type="lt">
-                                    <p:tmPct val="4000"/>
-                                  </p:iterate>
-                                  <p:childTnLst>
-                                    <p:set>
-                                      <p:cBhvr override="childStyle">
-                                        <p:cTn id="39" dur="500" fill="hold"/>
-                                        <p:tgtEl>
-                                          <p:spTgt spid="41">
-                                            <p:txEl>
-                                              <p:pRg st="3" end="3"/>
-                                            </p:txEl>
-                                          </p:spTgt>
-                                        </p:tgtEl>
-                                        <p:attrNameLst>
-                                          <p:attrName>style.color</p:attrName>
-                                        </p:attrNameLst>
-                                      </p:cBhvr>
-                                      <p:to>
-                                        <p:clrVal>
-                                          <a:schemeClr val="accent2"/>
-                                        </p:clrVal>
-                                      </p:to>
-                                    </p:set>
-                                    <p:set>
-                                      <p:cBhvr>
-                                        <p:cTn id="40" dur="500" fill="hold"/>
-                                        <p:tgtEl>
-                                          <p:spTgt spid="41">
-                                            <p:txEl>
-                                              <p:pRg st="3" end="3"/>
-                                            </p:txEl>
-                                          </p:spTgt>
-                                        </p:tgtEl>
-                                        <p:attrNameLst>
-                                          <p:attrName>fillcolor</p:attrName>
-                                        </p:attrNameLst>
-                                      </p:cBhvr>
-                                      <p:to>
-                                        <p:clrVal>
-                                          <a:schemeClr val="accent2"/>
-                                        </p:clrVal>
-                                      </p:to>
-                                    </p:set>
-                                    <p:set>
-                                      <p:cBhvr>
-                                        <p:cTn id="41" dur="500" fill="hold"/>
-                                        <p:tgtEl>
-                                          <p:spTgt spid="41">
-                                            <p:txEl>
-                                              <p:pRg st="3" end="3"/>
-                                            </p:txEl>
-                                          </p:spTgt>
-                                        </p:tgtEl>
-                                        <p:attrNameLst>
-                                          <p:attrName>fill.type</p:attrName>
-                                        </p:attrNameLst>
-                                      </p:cBhvr>
-                                      <p:to>
-                                        <p:strVal val="solid"/>
-                                      </p:to>
-                                    </p:set>
-                                  </p:childTnLst>
-                                </p:cTn>
-                              </p:par>
-                            </p:childTnLst>
-                          </p:cTn>
-                        </p:par>
-                      </p:childTnLst>
-                    </p:cTn>
-                  </p:par>
-                  <p:par>
-                    <p:cTn id="42" fill="hold">
-                      <p:stCondLst>
-                        <p:cond delay="indefinite"/>
-                      </p:stCondLst>
-                      <p:childTnLst>
-                        <p:par>
-                          <p:cTn id="43" fill="hold">
-                            <p:stCondLst>
-                              <p:cond delay="0"/>
-                            </p:stCondLst>
-                            <p:childTnLst>
-                              <p:par>
-                                <p:cTn id="44" presetID="16" presetClass="emph" presetSubtype="0" fill="hold" grpId="0" nodeType="clickEffect">
-                                  <p:stCondLst>
-                                    <p:cond delay="250"/>
-                                  </p:stCondLst>
-                                  <p:iterate type="lt">
-                                    <p:tmPct val="4000"/>
-                                  </p:iterate>
-                                  <p:childTnLst>
-                                    <p:set>
-                                      <p:cBhvr override="childStyle">
-                                        <p:cTn id="45" dur="500" fill="hold"/>
-                                        <p:tgtEl>
-                                          <p:spTgt spid="41">
-                                            <p:txEl>
-                                              <p:pRg st="4" end="4"/>
-                                            </p:txEl>
-                                          </p:spTgt>
-                                        </p:tgtEl>
-                                        <p:attrNameLst>
-                                          <p:attrName>style.color</p:attrName>
-                                        </p:attrNameLst>
-                                      </p:cBhvr>
-                                      <p:to>
-                                        <p:clrVal>
-                                          <a:schemeClr val="accent2"/>
-                                        </p:clrVal>
-                                      </p:to>
-                                    </p:set>
-                                    <p:set>
-                                      <p:cBhvr>
-                                        <p:cTn id="46" dur="500" fill="hold"/>
-                                        <p:tgtEl>
-                                          <p:spTgt spid="41">
-                                            <p:txEl>
-                                              <p:pRg st="4" end="4"/>
-                                            </p:txEl>
-                                          </p:spTgt>
-                                        </p:tgtEl>
-                                        <p:attrNameLst>
-                                          <p:attrName>fillcolor</p:attrName>
-                                        </p:attrNameLst>
-                                      </p:cBhvr>
-                                      <p:to>
-                                        <p:clrVal>
-                                          <a:schemeClr val="accent2"/>
-                                        </p:clrVal>
-                                      </p:to>
-                                    </p:set>
-                                    <p:set>
-                                      <p:cBhvr>
-                                        <p:cTn id="47" dur="500" fill="hold"/>
-                                        <p:tgtEl>
-                                          <p:spTgt spid="41">
-                                            <p:txEl>
-                                              <p:pRg st="4" end="4"/>
-                                            </p:txEl>
-                                          </p:spTgt>
-                                        </p:tgtEl>
-                                        <p:attrNameLst>
-                                          <p:attrName>fill.type</p:attrName>
-                                        </p:attrNameLst>
-                                      </p:cBhvr>
-                                      <p:to>
-                                        <p:strVal val="solid"/>
-                                      </p:to>
-                                    </p:set>
-                                  </p:childTnLst>
-                                </p:cTn>
-                              </p:par>
-                            </p:childTnLst>
-                          </p:cTn>
-                        </p:par>
-                      </p:childTnLst>
-                    </p:cTn>
-                  </p:par>
-                  <p:par>
-                    <p:cTn id="48" fill="hold">
-                      <p:stCondLst>
-                        <p:cond delay="indefinite"/>
-                      </p:stCondLst>
-                      <p:childTnLst>
-                        <p:par>
-                          <p:cTn id="49" fill="hold">
-                            <p:stCondLst>
-                              <p:cond delay="0"/>
-                            </p:stCondLst>
-                            <p:childTnLst>
-                              <p:par>
-                                <p:cTn id="50" presetID="16" presetClass="emph" presetSubtype="0" fill="hold" grpId="0" nodeType="clickEffect">
-                                  <p:stCondLst>
-                                    <p:cond delay="250"/>
-                                  </p:stCondLst>
-                                  <p:iterate type="lt">
-                                    <p:tmPct val="4000"/>
-                                  </p:iterate>
-                                  <p:childTnLst>
-                                    <p:set>
-                                      <p:cBhvr override="childStyle">
-                                        <p:cTn id="51" dur="500" fill="hold"/>
-                                        <p:tgtEl>
-                                          <p:spTgt spid="41">
-                                            <p:txEl>
-                                              <p:pRg st="5" end="5"/>
-                                            </p:txEl>
-                                          </p:spTgt>
-                                        </p:tgtEl>
-                                        <p:attrNameLst>
-                                          <p:attrName>style.color</p:attrName>
-                                        </p:attrNameLst>
-                                      </p:cBhvr>
-                                      <p:to>
-                                        <p:clrVal>
-                                          <a:schemeClr val="accent2"/>
-                                        </p:clrVal>
-                                      </p:to>
-                                    </p:set>
-                                    <p:set>
-                                      <p:cBhvr>
-                                        <p:cTn id="52" dur="500" fill="hold"/>
-                                        <p:tgtEl>
-                                          <p:spTgt spid="41">
-                                            <p:txEl>
-                                              <p:pRg st="5" end="5"/>
-                                            </p:txEl>
-                                          </p:spTgt>
-                                        </p:tgtEl>
-                                        <p:attrNameLst>
-                                          <p:attrName>fillcolor</p:attrName>
-                                        </p:attrNameLst>
-                                      </p:cBhvr>
-                                      <p:to>
-                                        <p:clrVal>
-                                          <a:schemeClr val="accent2"/>
-                                        </p:clrVal>
-                                      </p:to>
-                                    </p:set>
-                                    <p:set>
-                                      <p:cBhvr>
-                                        <p:cTn id="53" dur="500" fill="hold"/>
-                                        <p:tgtEl>
-                                          <p:spTgt spid="41">
-                                            <p:txEl>
-                                              <p:pRg st="5" end="5"/>
-                                            </p:txEl>
-                                          </p:spTgt>
-                                        </p:tgtEl>
-                                        <p:attrNameLst>
-                                          <p:attrName>fill.type</p:attrName>
-                                        </p:attrNameLst>
-                                      </p:cBhvr>
-                                      <p:to>
-                                        <p:strVal val="solid"/>
-                                      </p:to>
-                                    </p:set>
-                                  </p:childTnLst>
-                                </p:cTn>
-                              </p:par>
-                            </p:childTnLst>
-                          </p:cTn>
-                        </p:par>
-                      </p:childTnLst>
-                    </p:cTn>
-                  </p:par>
-                  <p:par>
-                    <p:cTn id="54" fill="hold">
-                      <p:stCondLst>
-                        <p:cond delay="indefinite"/>
-                      </p:stCondLst>
-                      <p:childTnLst>
-                        <p:par>
-                          <p:cTn id="55" fill="hold">
-                            <p:stCondLst>
-                              <p:cond delay="0"/>
-                            </p:stCondLst>
-                            <p:childTnLst>
-                              <p:par>
-                                <p:cTn id="56" presetID="16" presetClass="emph" presetSubtype="0" fill="hold" grpId="0" nodeType="clickEffect">
-                                  <p:stCondLst>
-                                    <p:cond delay="250"/>
-                                  </p:stCondLst>
-                                  <p:iterate type="lt">
-                                    <p:tmPct val="4000"/>
-                                  </p:iterate>
-                                  <p:childTnLst>
-                                    <p:set>
-                                      <p:cBhvr override="childStyle">
-                                        <p:cTn id="57" dur="500" fill="hold"/>
-                                        <p:tgtEl>
-                                          <p:spTgt spid="41">
-                                            <p:txEl>
-                                              <p:pRg st="6" end="6"/>
-                                            </p:txEl>
-                                          </p:spTgt>
-                                        </p:tgtEl>
-                                        <p:attrNameLst>
-                                          <p:attrName>style.color</p:attrName>
-                                        </p:attrNameLst>
-                                      </p:cBhvr>
-                                      <p:to>
-                                        <p:clrVal>
-                                          <a:schemeClr val="accent2"/>
-                                        </p:clrVal>
-                                      </p:to>
-                                    </p:set>
-                                    <p:set>
-                                      <p:cBhvr>
-                                        <p:cTn id="58" dur="500" fill="hold"/>
-                                        <p:tgtEl>
-                                          <p:spTgt spid="41">
-                                            <p:txEl>
-                                              <p:pRg st="6" end="6"/>
-                                            </p:txEl>
-                                          </p:spTgt>
-                                        </p:tgtEl>
-                                        <p:attrNameLst>
-                                          <p:attrName>fillcolor</p:attrName>
-                                        </p:attrNameLst>
-                                      </p:cBhvr>
-                                      <p:to>
-                                        <p:clrVal>
-                                          <a:schemeClr val="accent2"/>
-                                        </p:clrVal>
-                                      </p:to>
-                                    </p:set>
-                                    <p:set>
-                                      <p:cBhvr>
-                                        <p:cTn id="59" dur="500" fill="hold"/>
-                                        <p:tgtEl>
-                                          <p:spTgt spid="41">
-                                            <p:txEl>
-                                              <p:pRg st="6" end="6"/>
-                                            </p:txEl>
-                                          </p:spTgt>
-                                        </p:tgtEl>
-                                        <p:attrNameLst>
-                                          <p:attrName>fill.type</p:attrName>
-                                        </p:attrNameLst>
-                                      </p:cBhvr>
-                                      <p:to>
-                                        <p:strVal val="solid"/>
-                                      </p:to>
-                                    </p:set>
-                                  </p:childTnLst>
-                                </p:cTn>
-                              </p:par>
-                            </p:childTnLst>
-                          </p:cTn>
-                        </p:par>
-                      </p:childTnLst>
-                    </p:cTn>
-                  </p:par>
-                  <p:par>
-                    <p:cTn id="60" fill="hold">
-                      <p:stCondLst>
-                        <p:cond delay="indefinite"/>
-                      </p:stCondLst>
-                      <p:childTnLst>
-                        <p:par>
-                          <p:cTn id="61" fill="hold">
-                            <p:stCondLst>
-                              <p:cond delay="0"/>
-                            </p:stCondLst>
-                            <p:childTnLst>
-                              <p:par>
-                                <p:cTn id="62" presetID="16" presetClass="emph" presetSubtype="0" fill="hold" grpId="0" nodeType="clickEffect">
-                                  <p:stCondLst>
-                                    <p:cond delay="250"/>
-                                  </p:stCondLst>
-                                  <p:iterate type="lt">
-                                    <p:tmPct val="4000"/>
-                                  </p:iterate>
-                                  <p:childTnLst>
-                                    <p:set>
-                                      <p:cBhvr override="childStyle">
-                                        <p:cTn id="63" dur="500" fill="hold"/>
-                                        <p:tgtEl>
-                                          <p:spTgt spid="41">
-                                            <p:txEl>
-                                              <p:pRg st="7" end="7"/>
-                                            </p:txEl>
-                                          </p:spTgt>
-                                        </p:tgtEl>
-                                        <p:attrNameLst>
-                                          <p:attrName>style.color</p:attrName>
-                                        </p:attrNameLst>
-                                      </p:cBhvr>
-                                      <p:to>
-                                        <p:clrVal>
-                                          <a:schemeClr val="accent2"/>
-                                        </p:clrVal>
-                                      </p:to>
-                                    </p:set>
-                                    <p:set>
-                                      <p:cBhvr>
-                                        <p:cTn id="64" dur="500" fill="hold"/>
-                                        <p:tgtEl>
-                                          <p:spTgt spid="41">
-                                            <p:txEl>
-                                              <p:pRg st="7" end="7"/>
-                                            </p:txEl>
-                                          </p:spTgt>
-                                        </p:tgtEl>
-                                        <p:attrNameLst>
-                                          <p:attrName>fillcolor</p:attrName>
-                                        </p:attrNameLst>
-                                      </p:cBhvr>
-                                      <p:to>
-                                        <p:clrVal>
-                                          <a:schemeClr val="accent2"/>
-                                        </p:clrVal>
-                                      </p:to>
-                                    </p:set>
-                                    <p:set>
-                                      <p:cBhvr>
-                                        <p:cTn id="65" dur="500" fill="hold"/>
-                                        <p:tgtEl>
-                                          <p:spTgt spid="41">
-                                            <p:txEl>
-                                              <p:pRg st="7" end="7"/>
-                                            </p:txEl>
-                                          </p:spTgt>
-                                        </p:tgtEl>
-                                        <p:attrNameLst>
-                                          <p:attrName>fill.type</p:attrName>
-                                        </p:attrNameLst>
-                                      </p:cBhvr>
-                                      <p:to>
-                                        <p:strVal val="solid"/>
-                                      </p:to>
-                                    </p:set>
-                                  </p:childTnLst>
-                                </p:cTn>
-                              </p:par>
-                            </p:childTnLst>
-                          </p:cTn>
-                        </p:par>
-                      </p:childTnLst>
-                    </p:cTn>
-                  </p:par>
-                  <p:par>
-                    <p:cTn id="66" fill="hold">
-                      <p:stCondLst>
-                        <p:cond delay="indefinite"/>
-                      </p:stCondLst>
-                      <p:childTnLst>
-                        <p:par>
-                          <p:cTn id="67" fill="hold">
-                            <p:stCondLst>
-                              <p:cond delay="0"/>
-                            </p:stCondLst>
-                            <p:childTnLst>
-                              <p:par>
-                                <p:cTn id="68" presetID="16" presetClass="emph" presetSubtype="0" fill="hold" grpId="0" nodeType="clickEffect">
-                                  <p:stCondLst>
-                                    <p:cond delay="250"/>
-                                  </p:stCondLst>
-                                  <p:iterate type="lt">
-                                    <p:tmPct val="4000"/>
-                                  </p:iterate>
-                                  <p:childTnLst>
-                                    <p:set>
-                                      <p:cBhvr override="childStyle">
-                                        <p:cTn id="69" dur="500" fill="hold"/>
-                                        <p:tgtEl>
-                                          <p:spTgt spid="41">
-                                            <p:txEl>
-                                              <p:pRg st="8" end="8"/>
-                                            </p:txEl>
-                                          </p:spTgt>
-                                        </p:tgtEl>
-                                        <p:attrNameLst>
-                                          <p:attrName>style.color</p:attrName>
-                                        </p:attrNameLst>
-                                      </p:cBhvr>
-                                      <p:to>
-                                        <p:clrVal>
-                                          <a:schemeClr val="accent2"/>
-                                        </p:clrVal>
-                                      </p:to>
-                                    </p:set>
-                                    <p:set>
-                                      <p:cBhvr>
-                                        <p:cTn id="70" dur="500" fill="hold"/>
-                                        <p:tgtEl>
-                                          <p:spTgt spid="41">
-                                            <p:txEl>
-                                              <p:pRg st="8" end="8"/>
-                                            </p:txEl>
-                                          </p:spTgt>
-                                        </p:tgtEl>
-                                        <p:attrNameLst>
-                                          <p:attrName>fillcolor</p:attrName>
-                                        </p:attrNameLst>
-                                      </p:cBhvr>
-                                      <p:to>
-                                        <p:clrVal>
-                                          <a:schemeClr val="accent2"/>
-                                        </p:clrVal>
-                                      </p:to>
-                                    </p:set>
-                                    <p:set>
-                                      <p:cBhvr>
-                                        <p:cTn id="71" dur="500" fill="hold"/>
-                                        <p:tgtEl>
-                                          <p:spTgt spid="41">
-                                            <p:txEl>
-                                              <p:pRg st="8" end="8"/>
-                                            </p:txEl>
-                                          </p:spTgt>
-                                        </p:tgtEl>
-                                        <p:attrNameLst>
-                                          <p:attrName>fill.type</p:attrName>
-                                        </p:attrNameLst>
-                                      </p:cBhvr>
-                                      <p:to>
-                                        <p:strVal val="solid"/>
-                                      </p:to>
-                                    </p:set>
-                                  </p:childTnLst>
-                                </p:cTn>
-                              </p:par>
-                            </p:childTnLst>
-                          </p:cTn>
-                        </p:par>
-                      </p:childTnLst>
-                    </p:cTn>
-                  </p:par>
-                  <p:par>
-                    <p:cTn id="72" fill="hold">
-                      <p:stCondLst>
-                        <p:cond delay="indefinite"/>
-                      </p:stCondLst>
-                      <p:childTnLst>
-                        <p:par>
-                          <p:cTn id="73" fill="hold">
-                            <p:stCondLst>
-                              <p:cond delay="0"/>
-                            </p:stCondLst>
-                            <p:childTnLst>
-                              <p:par>
-                                <p:cTn id="74" presetID="16" presetClass="emph" presetSubtype="0" fill="hold" grpId="0" nodeType="clickEffect">
-                                  <p:stCondLst>
-                                    <p:cond delay="250"/>
-                                  </p:stCondLst>
-                                  <p:iterate type="lt">
-                                    <p:tmPct val="4000"/>
-                                  </p:iterate>
-                                  <p:childTnLst>
-                                    <p:set>
-                                      <p:cBhvr override="childStyle">
-                                        <p:cTn id="75" dur="500" fill="hold"/>
-                                        <p:tgtEl>
-                                          <p:spTgt spid="41">
-                                            <p:txEl>
-                                              <p:pRg st="9" end="9"/>
-                                            </p:txEl>
-                                          </p:spTgt>
-                                        </p:tgtEl>
-                                        <p:attrNameLst>
-                                          <p:attrName>style.color</p:attrName>
-                                        </p:attrNameLst>
-                                      </p:cBhvr>
-                                      <p:to>
-                                        <p:clrVal>
-                                          <a:schemeClr val="accent2"/>
-                                        </p:clrVal>
-                                      </p:to>
-                                    </p:set>
-                                    <p:set>
-                                      <p:cBhvr>
-                                        <p:cTn id="76" dur="500" fill="hold"/>
-                                        <p:tgtEl>
-                                          <p:spTgt spid="41">
-                                            <p:txEl>
-                                              <p:pRg st="9" end="9"/>
-                                            </p:txEl>
-                                          </p:spTgt>
-                                        </p:tgtEl>
-                                        <p:attrNameLst>
-                                          <p:attrName>fillcolor</p:attrName>
-                                        </p:attrNameLst>
-                                      </p:cBhvr>
-                                      <p:to>
-                                        <p:clrVal>
-                                          <a:schemeClr val="accent2"/>
-                                        </p:clrVal>
-                                      </p:to>
-                                    </p:set>
-                                    <p:set>
-                                      <p:cBhvr>
-                                        <p:cTn id="77" dur="500" fill="hold"/>
-                                        <p:tgtEl>
-                                          <p:spTgt spid="41">
-                                            <p:txEl>
-                                              <p:pRg st="9" end="9"/>
-                                            </p:txEl>
-                                          </p:spTgt>
-                                        </p:tgtEl>
-                                        <p:attrNameLst>
-                                          <p:attrName>fill.type</p:attrName>
-                                        </p:attrNameLst>
-                                      </p:cBhvr>
-                                      <p:to>
-                                        <p:strVal val="solid"/>
-                                      </p:to>
-                                    </p:set>
-                                  </p:childTnLst>
-                                </p:cTn>
-                              </p:par>
-                            </p:childTnLst>
-                          </p:cTn>
-                        </p:par>
-                      </p:childTnLst>
-                    </p:cTn>
-                  </p:par>
-                </p:childTnLst>
-              </p:cTn>
-              <p:prevCondLst>
-                <p:cond evt="onPrev" delay="0">
-                  <p:tgtEl>
-                    <p:sldTgt/>
-                  </p:tgtEl>
-                </p:cond>
-              </p:prevCondLst>
-              <p:nextCondLst>
-                <p:cond evt="onNext" delay="0">
-                  <p:tgtEl>
-                    <p:sldTgt/>
-                  </p:tgtEl>
-                </p:cond>
-              </p:nextCondLst>
-            </p:seq>
-          </p:childTnLst>
-        </p:cTn>
-      </p:par>
-    </p:tnLst>
-    <p:bldLst>
-      <p:bldP spid="40" grpId="0"/>
-      <p:bldP spid="41" grpId="0" build="p"/>
-    </p:bldLst>
-  </p:timing>
 </p:sld>
 </file>
 
@@ -13404,8 +13488,8 @@
         </p:nvSpPr>
         <p:spPr>
           <a:xfrm>
-            <a:off x="8477250" y="611262"/>
-            <a:ext cx="3144774" cy="697715"/>
+            <a:off x="8477250" y="390036"/>
+            <a:ext cx="3144774" cy="583358"/>
           </a:xfrm>
         </p:spPr>
         <p:txBody>
@@ -13414,7 +13498,7 @@
           <a:p>
             <a:r>
               <a:rPr lang="en-US" dirty="0"/>
-              <a:t>1. Introduction</a:t>
+              <a:t> Introduction</a:t>
             </a:r>
           </a:p>
         </p:txBody>
@@ -13437,8 +13521,8 @@
         </p:nvSpPr>
         <p:spPr>
           <a:xfrm>
-            <a:off x="8477250" y="1308976"/>
-            <a:ext cx="3144774" cy="5133387"/>
+            <a:off x="8477250" y="1173293"/>
+            <a:ext cx="3144774" cy="5294671"/>
           </a:xfrm>
         </p:spPr>
         <p:txBody>
@@ -13453,7 +13537,7 @@
                 <a:latin typeface="Arial" panose="020B0604020202020204" pitchFamily="34" charset="0"/>
                 <a:cs typeface="Arial" panose="020B0604020202020204" pitchFamily="34" charset="0"/>
               </a:rPr>
-              <a:t>This website created based on Hotel Management System  that allows the hotel manager to handle all hotel activities online. Interactive GUI and the ability to manage various hotel bookings and rooms make this system very flexible and convenient. The hotel manager is a very busy person and does not have the time to sit and manage the entire activities manually on paper. This application gives him the power and flexibility to manage the entire system from a single online system. Hotel management project provides room booking, staff management and other necessary hotel management features. The system allows the manager to post available rooms in the system. Customers can view and book room online. Admin has the power of either approving or disapproving the customer’s booking request. Other hotel services can also be viewed by the customers and can book them too. The system is hence useful for both customers and managers to portable manage the hotel activities.</a:t>
+              <a:t>This website is created based on Hotel Management System that allows the hotel manager to handle all hotel activities online. Interactive GUI and the ability to manage various hotel food bookings make this system very flexible and convenient. The hotel manager is a very busy person and does not have the time to sit and manage the entire activities manually on paper. This application gives him the power and flexibility to manage the entire system from a single online system. The hotel management project provides foods Order and information about the hotel and food menu, staff management, and other necessary hotel management features. The system allows the manager to post available food in the system. Customers can view and order food online. Admin has the power of either approving or disapproving the customer’s booking request. Other hotel services can also be viewed by the customers and can book them too. The system is hence useful for both customers and managers to portable manage the hotel activities.</a:t>
             </a:r>
           </a:p>
           <a:p>
@@ -13581,7 +13665,7 @@
             <p:ph type="pic" idx="1"/>
           </p:nvPr>
         </p:nvPicPr>
-        <p:blipFill rotWithShape="1">
+        <p:blipFill>
           <a:blip r:embed="rId2">
             <a:extLst>
               <a:ext uri="{837473B0-CC2E-450A-ABE3-18F120FF3D39}">
@@ -13589,7 +13673,7 @@
               </a:ext>
             </a:extLst>
           </a:blip>
-          <a:srcRect l="9801" r="9801"/>
+          <a:srcRect l="9020" r="9020"/>
           <a:stretch/>
         </p:blipFill>
         <p:spPr>
@@ -13654,8 +13738,59 @@
           <a:p>
             <a:r>
               <a:rPr lang="en-US" dirty="0"/>
-              <a:t>Aims of this website to easy to work of hotel work and online start  his/her business because online is a medium that grow up and popular any business in very short time and by this medium easily interact user with your hotel </a:t>
-            </a:r>
+              <a:t>Aims of this website to easy to work of hotel work and online start  his/her business because online is a medium that grows up and popular any business in a very short time and by this medium easily interact user with your hotel </a:t>
+            </a:r>
+          </a:p>
+          <a:p>
+            <a:endParaRPr lang="en-US" dirty="0"/>
+          </a:p>
+        </p:txBody>
+      </p:sp>
+      <p:sp>
+        <p:nvSpPr>
+          <p:cNvPr id="4" name="TextBox 3">
+            <a:extLst>
+              <a:ext uri="{FF2B5EF4-FFF2-40B4-BE49-F238E27FC236}">
+                <a16:creationId xmlns:a16="http://schemas.microsoft.com/office/drawing/2014/main" id="{24F4A59C-8194-4C59-98F2-9C3654167E1C}"/>
+              </a:ext>
+            </a:extLst>
+          </p:cNvPr>
+          <p:cNvSpPr txBox="1"/>
+          <p:nvPr/>
+        </p:nvSpPr>
+        <p:spPr>
+          <a:xfrm>
+            <a:off x="173181" y="6620256"/>
+            <a:ext cx="7848601" cy="230832"/>
+          </a:xfrm>
+          <a:prstGeom prst="rect">
+            <a:avLst/>
+          </a:prstGeom>
+          <a:noFill/>
+        </p:spPr>
+        <p:txBody>
+          <a:bodyPr wrap="square" rtlCol="0">
+            <a:spAutoFit/>
+          </a:bodyPr>
+          <a:lstStyle/>
+          <a:p>
+            <a:r>
+              <a:rPr lang="en-IN" sz="900">
+                <a:hlinkClick r:id="rId3" tooltip="https://www.sgfoodonfoot.com/2015/04/escape-restaurant-lounge-one-farrer.html"/>
+              </a:rPr>
+              <a:t>This Photo</a:t>
+            </a:r>
+            <a:r>
+              <a:rPr lang="en-IN" sz="900"/>
+              <a:t> by Unknown Author is licensed under </a:t>
+            </a:r>
+            <a:r>
+              <a:rPr lang="en-IN" sz="900">
+                <a:hlinkClick r:id="rId4" tooltip="https://creativecommons.org/licenses/by-nc-nd/3.0/"/>
+              </a:rPr>
+              <a:t>CC BY-NC-ND</a:t>
+            </a:r>
+            <a:endParaRPr lang="en-IN" sz="900"/>
           </a:p>
         </p:txBody>
       </p:sp>
@@ -13690,7 +13825,7 @@
                             </p:stCondLst>
                             <p:childTnLst>
                               <p:par>
-                                <p:cTn id="5" presetID="22" presetClass="entr" presetSubtype="4" fill="hold" nodeType="clickEffect">
+                                <p:cTn id="5" presetID="22" presetClass="entr" presetSubtype="4" fill="hold" grpId="0" nodeType="clickEffect">
                                   <p:stCondLst>
                                     <p:cond delay="0"/>
                                   </p:stCondLst>
@@ -13703,7 +13838,7 @@
                                           </p:stCondLst>
                                         </p:cTn>
                                         <p:tgtEl>
-                                          <p:spTgt spid="10"/>
+                                          <p:spTgt spid="2"/>
                                         </p:tgtEl>
                                         <p:attrNameLst>
                                           <p:attrName>style.visibility</p:attrName>
@@ -13717,7 +13852,7 @@
                                       <p:cBhvr>
                                         <p:cTn id="7" dur="500"/>
                                         <p:tgtEl>
-                                          <p:spTgt spid="10"/>
+                                          <p:spTgt spid="2"/>
                                         </p:tgtEl>
                                       </p:cBhvr>
                                     </p:animEffect>
@@ -13743,67 +13878,14 @@
                             </p:stCondLst>
                             <p:childTnLst>
                               <p:par>
-                                <p:cTn id="10" presetID="22" presetClass="entr" presetSubtype="4" fill="hold" grpId="0" nodeType="clickEffect">
-                                  <p:stCondLst>
-                                    <p:cond delay="0"/>
-                                  </p:stCondLst>
-                                  <p:childTnLst>
-                                    <p:set>
-                                      <p:cBhvr>
-                                        <p:cTn id="11" dur="1" fill="hold">
-                                          <p:stCondLst>
-                                            <p:cond delay="0"/>
-                                          </p:stCondLst>
-                                        </p:cTn>
-                                        <p:tgtEl>
-                                          <p:spTgt spid="2"/>
-                                        </p:tgtEl>
-                                        <p:attrNameLst>
-                                          <p:attrName>style.visibility</p:attrName>
-                                        </p:attrNameLst>
-                                      </p:cBhvr>
-                                      <p:to>
-                                        <p:strVal val="visible"/>
-                                      </p:to>
-                                    </p:set>
-                                    <p:animEffect transition="in" filter="wipe(down)">
-                                      <p:cBhvr>
-                                        <p:cTn id="12" dur="500"/>
-                                        <p:tgtEl>
-                                          <p:spTgt spid="2"/>
-                                        </p:tgtEl>
-                                      </p:cBhvr>
-                                    </p:animEffect>
-                                  </p:childTnLst>
-                                </p:cTn>
-                              </p:par>
-                            </p:childTnLst>
-                          </p:cTn>
-                        </p:par>
-                      </p:childTnLst>
-                    </p:cTn>
-                  </p:par>
-                  <p:par>
-                    <p:cTn id="13" fill="hold">
-                      <p:stCondLst>
-                        <p:cond delay="indefinite"/>
-                      </p:stCondLst>
-                      <p:childTnLst>
-                        <p:par>
-                          <p:cTn id="14" fill="hold">
-                            <p:stCondLst>
-                              <p:cond delay="0"/>
-                            </p:stCondLst>
-                            <p:childTnLst>
-                              <p:par>
-                                <p:cTn id="15" presetID="2" presetClass="entr" presetSubtype="4" fill="hold" grpId="0" nodeType="clickEffect">
+                                <p:cTn id="10" presetID="2" presetClass="entr" presetSubtype="4" fill="hold" grpId="0" nodeType="clickEffect">
                                   <p:stCondLst>
                                     <p:cond delay="250"/>
                                   </p:stCondLst>
                                   <p:childTnLst>
                                     <p:set>
                                       <p:cBhvr>
-                                        <p:cTn id="16" dur="1" fill="hold">
+                                        <p:cTn id="11" dur="1" fill="hold">
                                           <p:stCondLst>
                                             <p:cond delay="0"/>
                                           </p:stCondLst>
@@ -13825,7 +13907,7 @@
                                     </p:set>
                                     <p:anim calcmode="lin" valueType="num">
                                       <p:cBhvr additive="base">
-                                        <p:cTn id="17" dur="500" fill="hold"/>
+                                        <p:cTn id="12" dur="500" fill="hold"/>
                                         <p:tgtEl>
                                           <p:spTgt spid="3">
                                             <p:txEl>
@@ -13852,7 +13934,7 @@
                                     </p:anim>
                                     <p:anim calcmode="lin" valueType="num">
                                       <p:cBhvr additive="base">
-                                        <p:cTn id="18" dur="500" fill="hold"/>
+                                        <p:cTn id="13" dur="500" fill="hold"/>
                                         <p:tgtEl>
                                           <p:spTgt spid="3">
                                             <p:txEl>
@@ -16212,76 +16294,12 @@
           <a:chExt cx="0" cy="0"/>
         </a:xfrm>
       </p:grpSpPr>
-      <p:pic>
-        <p:nvPicPr>
-          <p:cNvPr id="19" name="Content Placeholder 18">
+      <p:sp>
+        <p:nvSpPr>
+          <p:cNvPr id="5" name="Title 4">
             <a:extLst>
               <a:ext uri="{FF2B5EF4-FFF2-40B4-BE49-F238E27FC236}">
-                <a16:creationId xmlns:a16="http://schemas.microsoft.com/office/drawing/2014/main" id="{59316710-D67B-4906-9643-FC1363284C01}"/>
-              </a:ext>
-            </a:extLst>
-          </p:cNvPr>
-          <p:cNvPicPr>
-            <a:picLocks noGrp="1" noChangeAspect="1"/>
-          </p:cNvPicPr>
-          <p:nvPr>
-            <p:ph sz="half" idx="1"/>
-          </p:nvPr>
-        </p:nvPicPr>
-        <p:blipFill>
-          <a:blip r:embed="rId3"/>
-          <a:stretch>
-            <a:fillRect/>
-          </a:stretch>
-        </p:blipFill>
-        <p:spPr>
-          <a:xfrm>
-            <a:off x="686794" y="2166594"/>
-            <a:ext cx="4664075" cy="2488028"/>
-          </a:xfrm>
-          <a:prstGeom prst="roundRect">
-            <a:avLst/>
-          </a:prstGeom>
-        </p:spPr>
-      </p:pic>
-      <p:pic>
-        <p:nvPicPr>
-          <p:cNvPr id="22" name="Content Placeholder 21">
-            <a:extLst>
-              <a:ext uri="{FF2B5EF4-FFF2-40B4-BE49-F238E27FC236}">
-                <a16:creationId xmlns:a16="http://schemas.microsoft.com/office/drawing/2014/main" id="{A10149C2-423A-40F3-9402-E65E71238746}"/>
-              </a:ext>
-            </a:extLst>
-          </p:cNvPr>
-          <p:cNvPicPr>
-            <a:picLocks noGrp="1" noChangeAspect="1"/>
-          </p:cNvPicPr>
-          <p:nvPr>
-            <p:ph sz="half" idx="2"/>
-          </p:nvPr>
-        </p:nvPicPr>
-        <p:blipFill>
-          <a:blip r:embed="rId4"/>
-          <a:stretch>
-            <a:fillRect/>
-          </a:stretch>
-        </p:blipFill>
-        <p:spPr>
-          <a:xfrm>
-            <a:off x="6426657" y="1704109"/>
-            <a:ext cx="3249385" cy="2367642"/>
-          </a:xfrm>
-          <a:prstGeom prst="roundRect">
-            <a:avLst/>
-          </a:prstGeom>
-        </p:spPr>
-      </p:pic>
-      <p:sp>
-        <p:nvSpPr>
-          <p:cNvPr id="25" name="Title 14">
-            <a:extLst>
-              <a:ext uri="{FF2B5EF4-FFF2-40B4-BE49-F238E27FC236}">
-                <a16:creationId xmlns:a16="http://schemas.microsoft.com/office/drawing/2014/main" id="{2943625D-6147-4618-8EFD-C156876ADAB4}"/>
+                <a16:creationId xmlns:a16="http://schemas.microsoft.com/office/drawing/2014/main" id="{3ECF2F47-94DC-41C1-8287-ABC73725493C}"/>
               </a:ext>
             </a:extLst>
           </p:cNvPr>
@@ -16294,161 +16312,29 @@
         </p:nvSpPr>
         <p:spPr>
           <a:xfrm>
-            <a:off x="6426657" y="4071751"/>
-            <a:ext cx="4664075" cy="2240675"/>
+            <a:off x="1066800" y="1533832"/>
+            <a:ext cx="10058400" cy="2698954"/>
           </a:xfrm>
         </p:spPr>
         <p:txBody>
           <a:bodyPr>
-            <a:noAutofit/>
+            <a:normAutofit/>
           </a:bodyPr>
           <a:lstStyle/>
           <a:p>
-            <a:pPr marL="285750" indent="-285750">
-              <a:buBlip>
-                <a:blip r:embed="rId5">
-                  <a:extLst>
-                    <a:ext uri="{96DAC541-7B7A-43D3-8B79-37D633B846F1}">
-                      <asvg:svgBlip xmlns:asvg="http://schemas.microsoft.com/office/drawing/2016/SVG/main" r:embed="rId6"/>
-                    </a:ext>
-                  </a:extLst>
-                </a:blip>
-              </a:buBlip>
-            </a:pPr>
-            <a:r>
-              <a:rPr lang="en-US" sz="1800" dirty="0"/>
-              <a:t> </a:t>
-            </a:r>
-            <a:r>
-              <a:rPr lang="en-US" sz="1800" dirty="0">
-                <a:solidFill>
-                  <a:srgbClr val="262626"/>
-                </a:solidFill>
-                <a:effectLst/>
-                <a:latin typeface="-apple-system"/>
-              </a:rPr>
-              <a:t>MongoDB Atlas is the only database as a service from the team that builds MongoDB. Launching an application on any database typically requires careful planning to ensure performance, high availability, security, and disaster recovery and these obligations continue as long as you run the application. MongoDB Atlas provides all of the features of ...</a:t>
-            </a:r>
-            <a:endParaRPr lang="en-IN" sz="1800" dirty="0"/>
-          </a:p>
-        </p:txBody>
-      </p:sp>
-      <p:sp>
-        <p:nvSpPr>
-          <p:cNvPr id="26" name="Title 14">
-            <a:extLst>
-              <a:ext uri="{FF2B5EF4-FFF2-40B4-BE49-F238E27FC236}">
-                <a16:creationId xmlns:a16="http://schemas.microsoft.com/office/drawing/2014/main" id="{5863E37E-031A-413B-8A54-44A1D569FE1A}"/>
-              </a:ext>
-            </a:extLst>
-          </p:cNvPr>
-          <p:cNvSpPr txBox="1">
-            <a:spLocks/>
-          </p:cNvSpPr>
-          <p:nvPr/>
-        </p:nvSpPr>
-        <p:spPr>
-          <a:xfrm>
-            <a:off x="858982" y="539674"/>
-            <a:ext cx="10058400" cy="1371600"/>
-          </a:xfrm>
-          <a:prstGeom prst="rect">
-            <a:avLst/>
-          </a:prstGeom>
-        </p:spPr>
-        <p:txBody>
-          <a:bodyPr vert="horz" lIns="91440" tIns="45720" rIns="91440" bIns="45720" rtlCol="0" anchor="ctr">
-            <a:normAutofit/>
-          </a:bodyPr>
-          <a:lstStyle>
-            <a:lvl1pPr algn="l" defTabSz="914400" rtl="0" eaLnBrk="1" latinLnBrk="0" hangingPunct="1">
-              <a:lnSpc>
-                <a:spcPct val="90000"/>
-              </a:lnSpc>
-              <a:spcBef>
-                <a:spcPct val="0"/>
-              </a:spcBef>
-              <a:buNone/>
-              <a:defRPr lang="en-US" sz="4800" kern="1200" cap="none" spc="0" baseline="0" dirty="0">
-                <a:solidFill>
-                  <a:schemeClr val="tx1">
-                    <a:lumMod val="85000"/>
-                    <a:lumOff val="15000"/>
-                  </a:schemeClr>
-                </a:solidFill>
-                <a:effectLst/>
-                <a:latin typeface="+mj-lt"/>
-                <a:ea typeface="+mn-ea"/>
-                <a:cs typeface="+mn-cs"/>
-              </a:defRPr>
-            </a:lvl1pPr>
-          </a:lstStyle>
-          <a:p>
             <a:pPr algn="ctr"/>
             <a:r>
-              <a:rPr lang="en-IN" dirty="0"/>
-              <a:t> Used services</a:t>
-            </a:r>
-          </a:p>
-        </p:txBody>
-      </p:sp>
-      <p:sp>
-        <p:nvSpPr>
-          <p:cNvPr id="28" name="TextBox 27">
-            <a:extLst>
-              <a:ext uri="{FF2B5EF4-FFF2-40B4-BE49-F238E27FC236}">
-                <a16:creationId xmlns:a16="http://schemas.microsoft.com/office/drawing/2014/main" id="{B94465A1-756C-4812-A48C-67AA268E11DD}"/>
-              </a:ext>
-            </a:extLst>
-          </p:cNvPr>
-          <p:cNvSpPr txBox="1"/>
-          <p:nvPr/>
-        </p:nvSpPr>
-        <p:spPr>
-          <a:xfrm>
-            <a:off x="502103" y="4963885"/>
-            <a:ext cx="5196567" cy="1200329"/>
-          </a:xfrm>
-          <a:prstGeom prst="rect">
-            <a:avLst/>
-          </a:prstGeom>
-          <a:noFill/>
-        </p:spPr>
-        <p:txBody>
-          <a:bodyPr wrap="square">
-            <a:spAutoFit/>
-          </a:bodyPr>
-          <a:lstStyle/>
-          <a:p>
-            <a:pPr marL="285750" indent="-285750">
-              <a:buBlip>
-                <a:blip r:embed="rId5">
-                  <a:extLst>
-                    <a:ext uri="{96DAC541-7B7A-43D3-8B79-37D633B846F1}">
-                      <asvg:svgBlip xmlns:asvg="http://schemas.microsoft.com/office/drawing/2016/SVG/main" r:embed="rId6"/>
-                    </a:ext>
-                  </a:extLst>
-                </a:blip>
-              </a:buBlip>
-            </a:pPr>
-            <a:r>
-              <a:rPr lang="en-IN" dirty="0">
-                <a:solidFill>
-                  <a:srgbClr val="262626"/>
-                </a:solidFill>
-                <a:effectLst/>
-                <a:latin typeface="-apple-system"/>
-              </a:rPr>
-              <a:t>Watson Assistant is the AI chatbot for business. This enterprise artificial intelligence technology enables users to build conversational AI solutions. IBM Watson Assistant - AI Chatbot | IBM</a:t>
-            </a:r>
-            <a:endParaRPr lang="en-IN" dirty="0"/>
+              <a:rPr lang="en-US" sz="8800" dirty="0"/>
+              <a:t>Used Services</a:t>
+            </a:r>
+            <a:endParaRPr lang="en-IN" sz="8800" dirty="0"/>
           </a:p>
         </p:txBody>
       </p:sp>
     </p:spTree>
     <p:extLst>
       <p:ext uri="{BB962C8B-B14F-4D97-AF65-F5344CB8AC3E}">
-        <p14:creationId xmlns:p14="http://schemas.microsoft.com/office/powerpoint/2010/main" val="3735715619"/>
+        <p14:creationId xmlns:p14="http://schemas.microsoft.com/office/powerpoint/2010/main" val="3573951992"/>
       </p:ext>
     </p:extLst>
   </p:cSld>
@@ -16476,113 +16362,7 @@
                             </p:stCondLst>
                             <p:childTnLst>
                               <p:par>
-                                <p:cTn id="5" presetID="6" presetClass="entr" presetSubtype="16" fill="hold" grpId="0" nodeType="clickEffect">
-                                  <p:stCondLst>
-                                    <p:cond delay="0"/>
-                                  </p:stCondLst>
-                                  <p:childTnLst>
-                                    <p:set>
-                                      <p:cBhvr>
-                                        <p:cTn id="6" dur="1" fill="hold">
-                                          <p:stCondLst>
-                                            <p:cond delay="0"/>
-                                          </p:stCondLst>
-                                        </p:cTn>
-                                        <p:tgtEl>
-                                          <p:spTgt spid="26"/>
-                                        </p:tgtEl>
-                                        <p:attrNameLst>
-                                          <p:attrName>style.visibility</p:attrName>
-                                        </p:attrNameLst>
-                                      </p:cBhvr>
-                                      <p:to>
-                                        <p:strVal val="visible"/>
-                                      </p:to>
-                                    </p:set>
-                                    <p:animEffect transition="in" filter="circle(in)">
-                                      <p:cBhvr>
-                                        <p:cTn id="7" dur="2000"/>
-                                        <p:tgtEl>
-                                          <p:spTgt spid="26"/>
-                                        </p:tgtEl>
-                                      </p:cBhvr>
-                                    </p:animEffect>
-                                  </p:childTnLst>
-                                </p:cTn>
-                              </p:par>
-                            </p:childTnLst>
-                          </p:cTn>
-                        </p:par>
-                      </p:childTnLst>
-                    </p:cTn>
-                  </p:par>
-                  <p:par>
-                    <p:cTn id="8" fill="hold">
-                      <p:stCondLst>
-                        <p:cond delay="indefinite"/>
-                      </p:stCondLst>
-                      <p:childTnLst>
-                        <p:par>
-                          <p:cTn id="9" fill="hold">
-                            <p:stCondLst>
-                              <p:cond delay="0"/>
-                            </p:stCondLst>
-                            <p:childTnLst>
-                              <p:par>
-                                <p:cTn id="10" presetID="6" presetClass="entr" presetSubtype="16" fill="hold" nodeType="clickEffect">
-                                  <p:stCondLst>
-                                    <p:cond delay="0"/>
-                                  </p:stCondLst>
-                                  <p:childTnLst>
-                                    <p:set>
-                                      <p:cBhvr>
-                                        <p:cTn id="11" dur="1" fill="hold">
-                                          <p:stCondLst>
-                                            <p:cond delay="0"/>
-                                          </p:stCondLst>
-                                        </p:cTn>
-                                        <p:tgtEl>
-                                          <p:spTgt spid="19"/>
-                                        </p:tgtEl>
-                                        <p:attrNameLst>
-                                          <p:attrName>style.visibility</p:attrName>
-                                        </p:attrNameLst>
-                                      </p:cBhvr>
-                                      <p:to>
-                                        <p:strVal val="visible"/>
-                                      </p:to>
-                                    </p:set>
-                                    <p:animEffect transition="in" filter="circle(in)">
-                                      <p:cBhvr>
-                                        <p:cTn id="12" dur="2000"/>
-                                        <p:tgtEl>
-                                          <p:spTgt spid="19"/>
-                                        </p:tgtEl>
-                                      </p:cBhvr>
-                                    </p:animEffect>
-                                  </p:childTnLst>
-                                </p:cTn>
-                              </p:par>
-                            </p:childTnLst>
-                          </p:cTn>
-                        </p:par>
-                      </p:childTnLst>
-                    </p:cTn>
-                  </p:par>
-                  <p:par>
-                    <p:cTn id="13" fill="hold">
-                      <p:stCondLst>
-                        <p:cond delay="indefinite"/>
-                      </p:stCondLst>
-                      <p:childTnLst>
-                        <p:par>
-                          <p:cTn id="14" fill="hold">
-                            <p:stCondLst>
-                              <p:cond delay="0"/>
-                            </p:stCondLst>
-                            <p:childTnLst>
-                              <p:par>
-                                <p:cTn id="15" presetID="34" presetClass="emph" presetSubtype="0" fill="hold" grpId="0" nodeType="clickEffect">
+                                <p:cTn id="5" presetID="34" presetClass="emph" presetSubtype="0" fill="hold" grpId="0" nodeType="clickEffect">
                                   <p:stCondLst>
                                     <p:cond delay="0"/>
                                   </p:stCondLst>
@@ -16592,13 +16372,13 @@
                                   <p:childTnLst>
                                     <p:animMotion origin="layout" path="M 0.0 0.0 L 0.0 -0.07213" pathEditMode="relative" ptsTypes="">
                                       <p:cBhvr>
-                                        <p:cTn id="16" dur="250" accel="50000" decel="50000" autoRev="1" fill="hold">
+                                        <p:cTn id="6" dur="250" accel="50000" decel="50000" autoRev="1" fill="hold">
                                           <p:stCondLst>
                                             <p:cond delay="0"/>
                                           </p:stCondLst>
                                         </p:cTn>
                                         <p:tgtEl>
-                                          <p:spTgt spid="28"/>
+                                          <p:spTgt spid="5"/>
                                         </p:tgtEl>
                                         <p:attrNameLst>
                                           <p:attrName>ppt_x</p:attrName>
@@ -16608,13 +16388,13 @@
                                     </p:animMotion>
                                     <p:animRot by="1500000">
                                       <p:cBhvr>
-                                        <p:cTn id="17" dur="125" fill="hold">
+                                        <p:cTn id="7" dur="125" fill="hold">
                                           <p:stCondLst>
                                             <p:cond delay="0"/>
                                           </p:stCondLst>
                                         </p:cTn>
                                         <p:tgtEl>
-                                          <p:spTgt spid="28"/>
+                                          <p:spTgt spid="5"/>
                                         </p:tgtEl>
                                         <p:attrNameLst>
                                           <p:attrName>r</p:attrName>
@@ -16623,13 +16403,13 @@
                                     </p:animRot>
                                     <p:animRot by="-1500000">
                                       <p:cBhvr>
-                                        <p:cTn id="18" dur="125" fill="hold">
+                                        <p:cTn id="8" dur="125" fill="hold">
                                           <p:stCondLst>
                                             <p:cond delay="125"/>
                                           </p:stCondLst>
                                         </p:cTn>
                                         <p:tgtEl>
-                                          <p:spTgt spid="28"/>
+                                          <p:spTgt spid="5"/>
                                         </p:tgtEl>
                                         <p:attrNameLst>
                                           <p:attrName>r</p:attrName>
@@ -16638,13 +16418,13 @@
                                     </p:animRot>
                                     <p:animRot by="-1500000">
                                       <p:cBhvr>
-                                        <p:cTn id="19" dur="125" fill="hold">
+                                        <p:cTn id="9" dur="125" fill="hold">
                                           <p:stCondLst>
                                             <p:cond delay="250"/>
                                           </p:stCondLst>
                                         </p:cTn>
                                         <p:tgtEl>
-                                          <p:spTgt spid="28"/>
+                                          <p:spTgt spid="5"/>
                                         </p:tgtEl>
                                         <p:attrNameLst>
                                           <p:attrName>r</p:attrName>
@@ -16653,13 +16433,13 @@
                                     </p:animRot>
                                     <p:animRot by="1500000">
                                       <p:cBhvr>
-                                        <p:cTn id="20" dur="125" fill="hold">
+                                        <p:cTn id="10" dur="125" fill="hold">
                                           <p:stCondLst>
                                             <p:cond delay="375"/>
                                           </p:stCondLst>
                                         </p:cTn>
                                         <p:tgtEl>
-                                          <p:spTgt spid="28"/>
+                                          <p:spTgt spid="5"/>
                                         </p:tgtEl>
                                         <p:attrNameLst>
                                           <p:attrName>r</p:attrName>
@@ -16675,33 +16455,253 @@
                       </p:childTnLst>
                     </p:cTn>
                   </p:par>
+                </p:childTnLst>
+              </p:cTn>
+              <p:prevCondLst>
+                <p:cond evt="onPrev" delay="0">
+                  <p:tgtEl>
+                    <p:sldTgt/>
+                  </p:tgtEl>
+                </p:cond>
+              </p:prevCondLst>
+              <p:nextCondLst>
+                <p:cond evt="onNext" delay="0">
+                  <p:tgtEl>
+                    <p:sldTgt/>
+                  </p:tgtEl>
+                </p:cond>
+              </p:nextCondLst>
+            </p:seq>
+          </p:childTnLst>
+        </p:cTn>
+      </p:par>
+    </p:tnLst>
+    <p:bldLst>
+      <p:bldP spid="5" grpId="0"/>
+    </p:bldLst>
+  </p:timing>
+</p:sld>
+</file>
+
+<file path=ppt/slides/slide8.xml><?xml version="1.0" encoding="utf-8"?>
+<p:sld xmlns:a="http://schemas.openxmlformats.org/drawingml/2006/main" xmlns:r="http://schemas.openxmlformats.org/officeDocument/2006/relationships" xmlns:p="http://schemas.openxmlformats.org/presentationml/2006/main">
+  <p:cSld>
+    <p:spTree>
+      <p:nvGrpSpPr>
+        <p:cNvPr id="1" name=""/>
+        <p:cNvGrpSpPr/>
+        <p:nvPr/>
+      </p:nvGrpSpPr>
+      <p:grpSpPr>
+        <a:xfrm>
+          <a:off x="0" y="0"/>
+          <a:ext cx="0" cy="0"/>
+          <a:chOff x="0" y="0"/>
+          <a:chExt cx="0" cy="0"/>
+        </a:xfrm>
+      </p:grpSpPr>
+      <p:pic>
+        <p:nvPicPr>
+          <p:cNvPr id="8" name="Picture Placeholder 7">
+            <a:extLst>
+              <a:ext uri="{FF2B5EF4-FFF2-40B4-BE49-F238E27FC236}">
+                <a16:creationId xmlns:a16="http://schemas.microsoft.com/office/drawing/2014/main" id="{2B7446A8-2BAD-4783-85F4-08990B88C655}"/>
+              </a:ext>
+            </a:extLst>
+          </p:cNvPr>
+          <p:cNvPicPr>
+            <a:picLocks noGrp="1" noChangeAspect="1"/>
+          </p:cNvPicPr>
+          <p:nvPr>
+            <p:ph type="pic" idx="1"/>
+          </p:nvPr>
+        </p:nvPicPr>
+        <p:blipFill>
+          <a:blip r:embed="rId2">
+            <a:extLst>
+              <a:ext uri="{837473B0-CC2E-450A-ABE3-18F120FF3D39}">
+                <a1611:picAttrSrcUrl xmlns:a1611="http://schemas.microsoft.com/office/drawing/2016/11/main" r:id="rId3"/>
+              </a:ext>
+            </a:extLst>
+          </a:blip>
+          <a:srcRect l="24297" r="24297"/>
+          <a:stretch/>
+        </p:blipFill>
+        <p:spPr>
+          <a:xfrm>
+            <a:off x="228599" y="103239"/>
+            <a:ext cx="7696201" cy="6517017"/>
+          </a:xfrm>
+          <a:prstGeom prst="rect">
+            <a:avLst/>
+          </a:prstGeom>
+        </p:spPr>
+      </p:pic>
+      <p:sp>
+        <p:nvSpPr>
+          <p:cNvPr id="5" name="Title 4">
+            <a:extLst>
+              <a:ext uri="{FF2B5EF4-FFF2-40B4-BE49-F238E27FC236}">
+                <a16:creationId xmlns:a16="http://schemas.microsoft.com/office/drawing/2014/main" id="{D63E064A-D0C5-45A3-A144-E6A447F0790F}"/>
+              </a:ext>
+            </a:extLst>
+          </p:cNvPr>
+          <p:cNvSpPr>
+            <a:spLocks noGrp="1"/>
+          </p:cNvSpPr>
+          <p:nvPr>
+            <p:ph type="title"/>
+          </p:nvPr>
+        </p:nvSpPr>
+        <p:spPr/>
+        <p:txBody>
+          <a:bodyPr/>
+          <a:lstStyle/>
+          <a:p>
+            <a:r>
+              <a:rPr lang="en-US" dirty="0"/>
+              <a:t>MongoDB Atlas</a:t>
+            </a:r>
+            <a:endParaRPr lang="en-IN" dirty="0"/>
+          </a:p>
+        </p:txBody>
+      </p:sp>
+      <p:sp>
+        <p:nvSpPr>
+          <p:cNvPr id="7" name="Text Placeholder 6">
+            <a:extLst>
+              <a:ext uri="{FF2B5EF4-FFF2-40B4-BE49-F238E27FC236}">
+                <a16:creationId xmlns:a16="http://schemas.microsoft.com/office/drawing/2014/main" id="{52FB4CED-6CB7-4D6D-98A9-A1B7A98B6406}"/>
+              </a:ext>
+            </a:extLst>
+          </p:cNvPr>
+          <p:cNvSpPr>
+            <a:spLocks noGrp="1"/>
+          </p:cNvSpPr>
+          <p:nvPr>
+            <p:ph type="body" sz="half" idx="2"/>
+          </p:nvPr>
+        </p:nvSpPr>
+        <p:spPr/>
+        <p:txBody>
+          <a:bodyPr>
+            <a:normAutofit lnSpcReduction="10000"/>
+          </a:bodyPr>
+          <a:lstStyle/>
+          <a:p>
+            <a:r>
+              <a:rPr lang="en-US" sz="1800" dirty="0">
+                <a:latin typeface="Gramond"/>
+              </a:rPr>
+              <a:t> </a:t>
+            </a:r>
+            <a:r>
+              <a:rPr lang="en-US" sz="1800" dirty="0">
+                <a:effectLst/>
+                <a:latin typeface="Gramond"/>
+              </a:rPr>
+              <a:t>MongoDB Atlas is the only database as a service from the team that builds MongoDB. Launching an application on any database typically requires careful planning to ensure performance, high availability, security, and disaster recovery and these obligations continue as long as you run the application. MongoDB Atlas provides all of the features of ...</a:t>
+            </a:r>
+            <a:endParaRPr lang="en-IN" dirty="0"/>
+          </a:p>
+          <a:p>
+            <a:endParaRPr lang="en-IN" dirty="0"/>
+          </a:p>
+        </p:txBody>
+      </p:sp>
+      <p:sp>
+        <p:nvSpPr>
+          <p:cNvPr id="9" name="TextBox 8">
+            <a:extLst>
+              <a:ext uri="{FF2B5EF4-FFF2-40B4-BE49-F238E27FC236}">
+                <a16:creationId xmlns:a16="http://schemas.microsoft.com/office/drawing/2014/main" id="{C194C99A-9B76-4755-B125-8F5547680527}"/>
+              </a:ext>
+            </a:extLst>
+          </p:cNvPr>
+          <p:cNvSpPr txBox="1"/>
+          <p:nvPr/>
+        </p:nvSpPr>
+        <p:spPr>
+          <a:xfrm>
+            <a:off x="228599" y="6620256"/>
+            <a:ext cx="7696201" cy="230832"/>
+          </a:xfrm>
+          <a:prstGeom prst="rect">
+            <a:avLst/>
+          </a:prstGeom>
+          <a:noFill/>
+        </p:spPr>
+        <p:txBody>
+          <a:bodyPr wrap="square" rtlCol="0">
+            <a:spAutoFit/>
+          </a:bodyPr>
+          <a:lstStyle/>
+          <a:p>
+            <a:r>
+              <a:rPr lang="en-IN" sz="900">
+                <a:hlinkClick r:id="rId3" tooltip="https://rubikscode.net/2017/10/15/serverless-and-mongodb-atlas/"/>
+              </a:rPr>
+              <a:t>This Photo</a:t>
+            </a:r>
+            <a:r>
+              <a:rPr lang="en-IN" sz="900"/>
+              <a:t> by Unknown Author is licensed under </a:t>
+            </a:r>
+            <a:r>
+              <a:rPr lang="en-IN" sz="900">
+                <a:hlinkClick r:id="rId4" tooltip="https://creativecommons.org/licenses/by/3.0/"/>
+              </a:rPr>
+              <a:t>CC BY</a:t>
+            </a:r>
+            <a:endParaRPr lang="en-IN" sz="900"/>
+          </a:p>
+        </p:txBody>
+      </p:sp>
+    </p:spTree>
+    <p:extLst>
+      <p:ext uri="{BB962C8B-B14F-4D97-AF65-F5344CB8AC3E}">
+        <p14:creationId xmlns:p14="http://schemas.microsoft.com/office/powerpoint/2010/main" val="2249568031"/>
+      </p:ext>
+    </p:extLst>
+  </p:cSld>
+  <p:clrMapOvr>
+    <a:masterClrMapping/>
+  </p:clrMapOvr>
+  <p:timing>
+    <p:tnLst>
+      <p:par>
+        <p:cTn id="1" dur="indefinite" restart="never" nodeType="tmRoot">
+          <p:childTnLst>
+            <p:seq concurrent="1" nextAc="seek">
+              <p:cTn id="2" dur="indefinite" nodeType="mainSeq">
+                <p:childTnLst>
                   <p:par>
-                    <p:cTn id="21" fill="hold">
+                    <p:cTn id="3" fill="hold">
                       <p:stCondLst>
                         <p:cond delay="indefinite"/>
                       </p:stCondLst>
                       <p:childTnLst>
                         <p:par>
-                          <p:cTn id="22" fill="hold">
+                          <p:cTn id="4" fill="hold">
                             <p:stCondLst>
                               <p:cond delay="0"/>
                             </p:stCondLst>
                             <p:childTnLst>
                               <p:par>
-                                <p:cTn id="23" presetID="6" presetClass="entr" presetSubtype="16" fill="hold" nodeType="clickEffect">
+                                <p:cTn id="5" presetID="1" presetClass="entr" presetSubtype="0" fill="hold" grpId="0" nodeType="clickEffect">
                                   <p:stCondLst>
                                     <p:cond delay="0"/>
                                   </p:stCondLst>
                                   <p:childTnLst>
                                     <p:set>
                                       <p:cBhvr>
-                                        <p:cTn id="24" dur="1" fill="hold">
+                                        <p:cTn id="6" dur="1" fill="hold">
                                           <p:stCondLst>
                                             <p:cond delay="0"/>
                                           </p:stCondLst>
                                         </p:cTn>
                                         <p:tgtEl>
-                                          <p:spTgt spid="22"/>
+                                          <p:spTgt spid="5"/>
                                         </p:tgtEl>
                                         <p:attrNameLst>
                                           <p:attrName>style.visibility</p:attrName>
@@ -16711,14 +16711,6 @@
                                         <p:strVal val="visible"/>
                                       </p:to>
                                     </p:set>
-                                    <p:animEffect transition="in" filter="circle(in)">
-                                      <p:cBhvr>
-                                        <p:cTn id="25" dur="2000"/>
-                                        <p:tgtEl>
-                                          <p:spTgt spid="22"/>
-                                        </p:tgtEl>
-                                      </p:cBhvr>
-                                    </p:animEffect>
                                   </p:childTnLst>
                                 </p:cTn>
                               </p:par>
@@ -16729,38 +16721,57 @@
                     </p:cTn>
                   </p:par>
                   <p:par>
-                    <p:cTn id="26" fill="hold">
+                    <p:cTn id="7" fill="hold">
                       <p:stCondLst>
                         <p:cond delay="indefinite"/>
                       </p:stCondLst>
                       <p:childTnLst>
                         <p:par>
-                          <p:cTn id="27" fill="hold">
+                          <p:cTn id="8" fill="hold">
                             <p:stCondLst>
                               <p:cond delay="0"/>
                             </p:stCondLst>
                             <p:childTnLst>
                               <p:par>
-                                <p:cTn id="28" presetID="15" presetClass="emph" presetSubtype="0" grpId="0" nodeType="clickEffect">
+                                <p:cTn id="9" presetID="7" presetClass="emph" presetSubtype="2" fill="hold" grpId="0" nodeType="clickEffect">
                                   <p:stCondLst>
                                     <p:cond delay="0"/>
                                   </p:stCondLst>
-                                  <p:iterate type="lt">
-                                    <p:tmAbs val="25"/>
-                                  </p:iterate>
                                   <p:childTnLst>
-                                    <p:set>
-                                      <p:cBhvr override="childStyle">
-                                        <p:cTn id="29" dur="indefinite"/>
+                                    <p:animClr clrSpc="rgb" dir="cw">
+                                      <p:cBhvr>
+                                        <p:cTn id="10" dur="2000" fill="hold"/>
                                         <p:tgtEl>
-                                          <p:spTgt spid="25"/>
+                                          <p:spTgt spid="7">
+                                            <p:txEl>
+                                              <p:pRg st="0" end="0"/>
+                                            </p:txEl>
+                                          </p:spTgt>
                                         </p:tgtEl>
                                         <p:attrNameLst>
-                                          <p:attrName>style.fontWeight</p:attrName>
+                                          <p:attrName>stroke.color</p:attrName>
                                         </p:attrNameLst>
                                       </p:cBhvr>
                                       <p:to>
-                                        <p:strVal val="bold"/>
+                                        <a:schemeClr val="accent2"/>
+                                      </p:to>
+                                    </p:animClr>
+                                    <p:set>
+                                      <p:cBhvr>
+                                        <p:cTn id="11" dur="2000" fill="hold"/>
+                                        <p:tgtEl>
+                                          <p:spTgt spid="7">
+                                            <p:txEl>
+                                              <p:pRg st="0" end="0"/>
+                                            </p:txEl>
+                                          </p:spTgt>
+                                        </p:tgtEl>
+                                        <p:attrNameLst>
+                                          <p:attrName>stroke.on</p:attrName>
+                                        </p:attrNameLst>
+                                      </p:cBhvr>
+                                      <p:to>
+                                        <p:strVal val="true"/>
                                       </p:to>
                                     </p:set>
                                   </p:childTnLst>
@@ -16794,15 +16805,14 @@
       </p:par>
     </p:tnLst>
     <p:bldLst>
-      <p:bldP spid="25" grpId="0"/>
-      <p:bldP spid="26" grpId="0"/>
-      <p:bldP spid="28" grpId="0"/>
+      <p:bldP spid="5" grpId="0"/>
+      <p:bldP spid="7" grpId="0" build="p"/>
     </p:bldLst>
   </p:timing>
 </p:sld>
 </file>
 
-<file path=ppt/slides/slide8.xml><?xml version="1.0" encoding="utf-8"?>
+<file path=ppt/slides/slide9.xml><?xml version="1.0" encoding="utf-8"?>
 <p:sld xmlns:a="http://schemas.openxmlformats.org/drawingml/2006/main" xmlns:r="http://schemas.openxmlformats.org/officeDocument/2006/relationships" xmlns:p="http://schemas.openxmlformats.org/presentationml/2006/main">
   <p:cSld>
     <p:spTree>
@@ -16819,12 +16829,41 @@
           <a:chExt cx="0" cy="0"/>
         </a:xfrm>
       </p:grpSpPr>
-      <p:sp>
-        <p:nvSpPr>
-          <p:cNvPr id="8" name="Title 7">
+      <p:pic>
+        <p:nvPicPr>
+          <p:cNvPr id="5" name="Picture Placeholder 4">
             <a:extLst>
               <a:ext uri="{FF2B5EF4-FFF2-40B4-BE49-F238E27FC236}">
-                <a16:creationId xmlns:a16="http://schemas.microsoft.com/office/drawing/2014/main" id="{B3A6CC12-BBE9-4EB3-9534-C8D1FD04092A}"/>
+                <a16:creationId xmlns:a16="http://schemas.microsoft.com/office/drawing/2014/main" id="{95F070C3-A849-422F-A8DF-C142E7E85DB1}"/>
+              </a:ext>
+            </a:extLst>
+          </p:cNvPr>
+          <p:cNvPicPr>
+            <a:picLocks noGrp="1" noChangeAspect="1"/>
+          </p:cNvPicPr>
+          <p:nvPr>
+            <p:ph type="pic" idx="1"/>
+          </p:nvPr>
+        </p:nvPicPr>
+        <p:blipFill>
+          <a:blip r:embed="rId2"/>
+          <a:srcRect l="17762" r="17762"/>
+          <a:stretch>
+            <a:fillRect/>
+          </a:stretch>
+        </p:blipFill>
+        <p:spPr>
+          <a:prstGeom prst="rect">
+            <a:avLst/>
+          </a:prstGeom>
+        </p:spPr>
+      </p:pic>
+      <p:sp>
+        <p:nvSpPr>
+          <p:cNvPr id="3" name="Title 2">
+            <a:extLst>
+              <a:ext uri="{FF2B5EF4-FFF2-40B4-BE49-F238E27FC236}">
+                <a16:creationId xmlns:a16="http://schemas.microsoft.com/office/drawing/2014/main" id="{80E9B5D9-1A93-49EE-A8C2-02CDC60789CC}"/>
               </a:ext>
             </a:extLst>
           </p:cNvPr>
@@ -16842,7 +16881,7 @@
           <a:p>
             <a:r>
               <a:rPr lang="en-US" dirty="0"/>
-              <a:t> Features of Fabulous Hotel</a:t>
+              <a:t>IBM Watson Chatbot</a:t>
             </a:r>
             <a:endParaRPr lang="en-IN" dirty="0"/>
           </a:p>
@@ -16850,10 +16889,10 @@
       </p:sp>
       <p:sp>
         <p:nvSpPr>
-          <p:cNvPr id="9" name="Content Placeholder 8">
+          <p:cNvPr id="4" name="Text Placeholder 3">
             <a:extLst>
               <a:ext uri="{FF2B5EF4-FFF2-40B4-BE49-F238E27FC236}">
-                <a16:creationId xmlns:a16="http://schemas.microsoft.com/office/drawing/2014/main" id="{969511EC-F725-4F75-9391-55CD5FA0BB72}"/>
+                <a16:creationId xmlns:a16="http://schemas.microsoft.com/office/drawing/2014/main" id="{A058E29F-60CC-4F86-98ED-A655554E4A32}"/>
               </a:ext>
             </a:extLst>
           </p:cNvPr>
@@ -16861,90 +16900,37 @@
             <a:spLocks noGrp="1"/>
           </p:cNvSpPr>
           <p:nvPr>
-            <p:ph idx="1"/>
+            <p:ph type="body" sz="half" idx="2"/>
           </p:nvPr>
         </p:nvSpPr>
         <p:spPr/>
         <p:txBody>
-          <a:bodyPr>
-            <a:normAutofit/>
-          </a:bodyPr>
+          <a:bodyPr/>
           <a:lstStyle/>
           <a:p>
-            <a:pPr>
-              <a:buBlip>
-                <a:blip r:embed="rId2">
-                  <a:extLst>
-                    <a:ext uri="{96DAC541-7B7A-43D3-8B79-37D633B846F1}">
-                      <asvg:svgBlip xmlns:asvg="http://schemas.microsoft.com/office/drawing/2016/SVG/main" r:embed="rId3"/>
-                    </a:ext>
-                  </a:extLst>
-                </a:blip>
-              </a:buBlip>
-            </a:pPr>
-            <a:r>
-              <a:rPr lang="en-US" sz="2800" dirty="0"/>
-              <a:t>User easily Althing know about hotel and hotel’s special dishes and food menu</a:t>
-            </a:r>
-          </a:p>
-          <a:p>
-            <a:pPr>
-              <a:buBlip>
-                <a:blip r:embed="rId2">
-                  <a:extLst>
-                    <a:ext uri="{96DAC541-7B7A-43D3-8B79-37D633B846F1}">
-                      <asvg:svgBlip xmlns:asvg="http://schemas.microsoft.com/office/drawing/2016/SVG/main" r:embed="rId3"/>
-                    </a:ext>
-                  </a:extLst>
-                </a:blip>
-              </a:buBlip>
-            </a:pPr>
-            <a:r>
-              <a:rPr lang="en-US" sz="2800" dirty="0"/>
-              <a:t>  In food menu user can be known about what is available in breakfast, dinner, main dishes, lunch and deserts dishes and what is the cost of food</a:t>
-            </a:r>
-          </a:p>
-          <a:p>
-            <a:pPr>
-              <a:buBlip>
-                <a:blip r:embed="rId2">
-                  <a:extLst>
-                    <a:ext uri="{96DAC541-7B7A-43D3-8B79-37D633B846F1}">
-                      <asvg:svgBlip xmlns:asvg="http://schemas.microsoft.com/office/drawing/2016/SVG/main" r:embed="rId3"/>
-                    </a:ext>
-                  </a:extLst>
-                </a:blip>
-              </a:buBlip>
-            </a:pPr>
-            <a:r>
-              <a:rPr lang="en-US" sz="2800" dirty="0"/>
-              <a:t> our Watson assistant will assist the users </a:t>
-            </a:r>
-          </a:p>
-          <a:p>
-            <a:pPr>
-              <a:buBlip>
-                <a:blip r:embed="rId2">
-                  <a:extLst>
-                    <a:ext uri="{96DAC541-7B7A-43D3-8B79-37D633B846F1}">
-                      <asvg:svgBlip xmlns:asvg="http://schemas.microsoft.com/office/drawing/2016/SVG/main" r:embed="rId3"/>
-                    </a:ext>
-                  </a:extLst>
-                </a:blip>
-              </a:buBlip>
-            </a:pPr>
-            <a:r>
-              <a:rPr lang="en-US" sz="2800" dirty="0"/>
-              <a:t> user can be contact and also know about the hotel opening and closing timing. </a:t>
-            </a:r>
-            <a:endParaRPr lang="en-IN" sz="2800" dirty="0"/>
+            <a:r>
+              <a:rPr lang="en-IN" dirty="0">
+                <a:solidFill>
+                  <a:srgbClr val="262626"/>
+                </a:solidFill>
+                <a:effectLst/>
+                <a:latin typeface="+mj-lt"/>
+              </a:rPr>
+              <a:t>Watson Assistant is the AI chatbot for business. This enterprise artificial intelligence technology enables users to build conversational AI solutions. IBM Watson Assistant - AI Chatbot | IBM</a:t>
+            </a:r>
+            <a:endParaRPr lang="en-IN" dirty="0">
+              <a:latin typeface="+mj-lt"/>
+            </a:endParaRPr>
+          </a:p>
+          <a:p>
+            <a:endParaRPr lang="en-IN" dirty="0"/>
           </a:p>
         </p:txBody>
       </p:sp>
     </p:spTree>
     <p:extLst>
       <p:ext uri="{BB962C8B-B14F-4D97-AF65-F5344CB8AC3E}">
-        <p14:creationId xmlns:p14="http://schemas.microsoft.com/office/powerpoint/2010/main" val="539179334"/>
+        <p14:creationId xmlns:p14="http://schemas.microsoft.com/office/powerpoint/2010/main" val="2118141183"/>
       </p:ext>
     </p:extLst>
   </p:cSld>
@@ -16972,37 +16958,90 @@
                             </p:stCondLst>
                             <p:childTnLst>
                               <p:par>
-                                <p:cTn id="5" presetID="6" presetClass="entr" presetSubtype="16" fill="hold" grpId="0" nodeType="clickEffect">
+                                <p:cTn id="5" presetID="34" presetClass="emph" presetSubtype="0" fill="hold" grpId="0" nodeType="clickEffect">
                                   <p:stCondLst>
                                     <p:cond delay="0"/>
                                   </p:stCondLst>
+                                  <p:iterate type="lt">
+                                    <p:tmPct val="10000"/>
+                                  </p:iterate>
                                   <p:childTnLst>
-                                    <p:set>
+                                    <p:animMotion origin="layout" path="M 0.0 0.0 L 0.0 -0.07213" pathEditMode="relative" ptsTypes="">
                                       <p:cBhvr>
-                                        <p:cTn id="6" dur="1" fill="hold">
+                                        <p:cTn id="6" dur="250" accel="50000" decel="50000" autoRev="1" fill="hold">
                                           <p:stCondLst>
                                             <p:cond delay="0"/>
                                           </p:stCondLst>
                                         </p:cTn>
                                         <p:tgtEl>
-                                          <p:spTgt spid="8"/>
+                                          <p:spTgt spid="3"/>
                                         </p:tgtEl>
                                         <p:attrNameLst>
-                                          <p:attrName>style.visibility</p:attrName>
+                                          <p:attrName>ppt_x</p:attrName>
+                                          <p:attrName>ppt_y</p:attrName>
                                         </p:attrNameLst>
                                       </p:cBhvr>
-                                      <p:to>
-                                        <p:strVal val="visible"/>
-                                      </p:to>
-                                    </p:set>
-                                    <p:animEffect transition="in" filter="circle(in)">
+                                    </p:animMotion>
+                                    <p:animRot by="1500000">
                                       <p:cBhvr>
-                                        <p:cTn id="7" dur="2000"/>
+                                        <p:cTn id="7" dur="125" fill="hold">
+                                          <p:stCondLst>
+                                            <p:cond delay="0"/>
+                                          </p:stCondLst>
+                                        </p:cTn>
                                         <p:tgtEl>
-                                          <p:spTgt spid="8"/>
+                                          <p:spTgt spid="3"/>
                                         </p:tgtEl>
+                                        <p:attrNameLst>
+                                          <p:attrName>r</p:attrName>
+                                        </p:attrNameLst>
                                       </p:cBhvr>
-                                    </p:animEffect>
+                                    </p:animRot>
+                                    <p:animRot by="-1500000">
+                                      <p:cBhvr>
+                                        <p:cTn id="8" dur="125" fill="hold">
+                                          <p:stCondLst>
+                                            <p:cond delay="125"/>
+                                          </p:stCondLst>
+                                        </p:cTn>
+                                        <p:tgtEl>
+                                          <p:spTgt spid="3"/>
+                                        </p:tgtEl>
+                                        <p:attrNameLst>
+                                          <p:attrName>r</p:attrName>
+                                        </p:attrNameLst>
+                                      </p:cBhvr>
+                                    </p:animRot>
+                                    <p:animRot by="-1500000">
+                                      <p:cBhvr>
+                                        <p:cTn id="9" dur="125" fill="hold">
+                                          <p:stCondLst>
+                                            <p:cond delay="250"/>
+                                          </p:stCondLst>
+                                        </p:cTn>
+                                        <p:tgtEl>
+                                          <p:spTgt spid="3"/>
+                                        </p:tgtEl>
+                                        <p:attrNameLst>
+                                          <p:attrName>r</p:attrName>
+                                        </p:attrNameLst>
+                                      </p:cBhvr>
+                                    </p:animRot>
+                                    <p:animRot by="1500000">
+                                      <p:cBhvr>
+                                        <p:cTn id="10" dur="125" fill="hold">
+                                          <p:stCondLst>
+                                            <p:cond delay="375"/>
+                                          </p:stCondLst>
+                                        </p:cTn>
+                                        <p:tgtEl>
+                                          <p:spTgt spid="3"/>
+                                        </p:tgtEl>
+                                        <p:attrNameLst>
+                                          <p:attrName>r</p:attrName>
+                                        </p:attrNameLst>
+                                      </p:cBhvr>
+                                    </p:animRot>
                                   </p:childTnLst>
                                 </p:cTn>
                               </p:par>
@@ -17013,31 +17052,28 @@
                     </p:cTn>
                   </p:par>
                   <p:par>
-                    <p:cTn id="8" fill="hold">
+                    <p:cTn id="11" fill="hold">
                       <p:stCondLst>
                         <p:cond delay="indefinite"/>
                       </p:stCondLst>
                       <p:childTnLst>
                         <p:par>
-                          <p:cTn id="9" fill="hold">
+                          <p:cTn id="12" fill="hold">
                             <p:stCondLst>
                               <p:cond delay="0"/>
                             </p:stCondLst>
                             <p:childTnLst>
                               <p:par>
-                                <p:cTn id="10" presetID="16" presetClass="emph" presetSubtype="0" fill="hold" nodeType="clickEffect">
+                                <p:cTn id="13" presetID="3" presetClass="emph" presetSubtype="2" fill="hold" grpId="0" nodeType="clickEffect">
                                   <p:stCondLst>
                                     <p:cond delay="0"/>
                                   </p:stCondLst>
-                                  <p:iterate type="lt">
-                                    <p:tmPct val="4000"/>
-                                  </p:iterate>
                                   <p:childTnLst>
-                                    <p:set>
+                                    <p:animClr clrSpc="rgb" dir="cw">
                                       <p:cBhvr override="childStyle">
-                                        <p:cTn id="11" dur="500" fill="hold"/>
+                                        <p:cTn id="14" dur="2000" fill="hold"/>
                                         <p:tgtEl>
-                                          <p:spTgt spid="9">
+                                          <p:spTgt spid="4">
                                             <p:txEl>
                                               <p:pRg st="0" end="0"/>
                                             </p:txEl>
@@ -17048,313 +17084,9 @@
                                         </p:attrNameLst>
                                       </p:cBhvr>
                                       <p:to>
-                                        <p:clrVal>
-                                          <a:schemeClr val="accent2"/>
-                                        </p:clrVal>
+                                        <a:schemeClr val="accent2"/>
                                       </p:to>
-                                    </p:set>
-                                    <p:set>
-                                      <p:cBhvr>
-                                        <p:cTn id="12" dur="500" fill="hold"/>
-                                        <p:tgtEl>
-                                          <p:spTgt spid="9">
-                                            <p:txEl>
-                                              <p:pRg st="0" end="0"/>
-                                            </p:txEl>
-                                          </p:spTgt>
-                                        </p:tgtEl>
-                                        <p:attrNameLst>
-                                          <p:attrName>fillcolor</p:attrName>
-                                        </p:attrNameLst>
-                                      </p:cBhvr>
-                                      <p:to>
-                                        <p:clrVal>
-                                          <a:schemeClr val="accent2"/>
-                                        </p:clrVal>
-                                      </p:to>
-                                    </p:set>
-                                    <p:set>
-                                      <p:cBhvr>
-                                        <p:cTn id="13" dur="500" fill="hold"/>
-                                        <p:tgtEl>
-                                          <p:spTgt spid="9">
-                                            <p:txEl>
-                                              <p:pRg st="0" end="0"/>
-                                            </p:txEl>
-                                          </p:spTgt>
-                                        </p:tgtEl>
-                                        <p:attrNameLst>
-                                          <p:attrName>fill.type</p:attrName>
-                                        </p:attrNameLst>
-                                      </p:cBhvr>
-                                      <p:to>
-                                        <p:strVal val="solid"/>
-                                      </p:to>
-                                    </p:set>
-                                  </p:childTnLst>
-                                </p:cTn>
-                              </p:par>
-                            </p:childTnLst>
-                          </p:cTn>
-                        </p:par>
-                      </p:childTnLst>
-                    </p:cTn>
-                  </p:par>
-                  <p:par>
-                    <p:cTn id="14" fill="hold">
-                      <p:stCondLst>
-                        <p:cond delay="indefinite"/>
-                      </p:stCondLst>
-                      <p:childTnLst>
-                        <p:par>
-                          <p:cTn id="15" fill="hold">
-                            <p:stCondLst>
-                              <p:cond delay="0"/>
-                            </p:stCondLst>
-                            <p:childTnLst>
-                              <p:par>
-                                <p:cTn id="16" presetID="16" presetClass="emph" presetSubtype="0" fill="hold" nodeType="clickEffect">
-                                  <p:stCondLst>
-                                    <p:cond delay="0"/>
-                                  </p:stCondLst>
-                                  <p:iterate type="lt">
-                                    <p:tmPct val="4000"/>
-                                  </p:iterate>
-                                  <p:childTnLst>
-                                    <p:set>
-                                      <p:cBhvr override="childStyle">
-                                        <p:cTn id="17" dur="500" fill="hold"/>
-                                        <p:tgtEl>
-                                          <p:spTgt spid="9">
-                                            <p:txEl>
-                                              <p:pRg st="1" end="1"/>
-                                            </p:txEl>
-                                          </p:spTgt>
-                                        </p:tgtEl>
-                                        <p:attrNameLst>
-                                          <p:attrName>style.color</p:attrName>
-                                        </p:attrNameLst>
-                                      </p:cBhvr>
-                                      <p:to>
-                                        <p:clrVal>
-                                          <a:schemeClr val="accent2"/>
-                                        </p:clrVal>
-                                      </p:to>
-                                    </p:set>
-                                    <p:set>
-                                      <p:cBhvr>
-                                        <p:cTn id="18" dur="500" fill="hold"/>
-                                        <p:tgtEl>
-                                          <p:spTgt spid="9">
-                                            <p:txEl>
-                                              <p:pRg st="1" end="1"/>
-                                            </p:txEl>
-                                          </p:spTgt>
-                                        </p:tgtEl>
-                                        <p:attrNameLst>
-                                          <p:attrName>fillcolor</p:attrName>
-                                        </p:attrNameLst>
-                                      </p:cBhvr>
-                                      <p:to>
-                                        <p:clrVal>
-                                          <a:schemeClr val="accent2"/>
-                                        </p:clrVal>
-                                      </p:to>
-                                    </p:set>
-                                    <p:set>
-                                      <p:cBhvr>
-                                        <p:cTn id="19" dur="500" fill="hold"/>
-                                        <p:tgtEl>
-                                          <p:spTgt spid="9">
-                                            <p:txEl>
-                                              <p:pRg st="1" end="1"/>
-                                            </p:txEl>
-                                          </p:spTgt>
-                                        </p:tgtEl>
-                                        <p:attrNameLst>
-                                          <p:attrName>fill.type</p:attrName>
-                                        </p:attrNameLst>
-                                      </p:cBhvr>
-                                      <p:to>
-                                        <p:strVal val="solid"/>
-                                      </p:to>
-                                    </p:set>
-                                  </p:childTnLst>
-                                </p:cTn>
-                              </p:par>
-                            </p:childTnLst>
-                          </p:cTn>
-                        </p:par>
-                      </p:childTnLst>
-                    </p:cTn>
-                  </p:par>
-                  <p:par>
-                    <p:cTn id="20" fill="hold">
-                      <p:stCondLst>
-                        <p:cond delay="indefinite"/>
-                      </p:stCondLst>
-                      <p:childTnLst>
-                        <p:par>
-                          <p:cTn id="21" fill="hold">
-                            <p:stCondLst>
-                              <p:cond delay="0"/>
-                            </p:stCondLst>
-                            <p:childTnLst>
-                              <p:par>
-                                <p:cTn id="22" presetID="16" presetClass="emph" presetSubtype="0" fill="hold" nodeType="clickEffect">
-                                  <p:stCondLst>
-                                    <p:cond delay="0"/>
-                                  </p:stCondLst>
-                                  <p:iterate type="lt">
-                                    <p:tmPct val="4000"/>
-                                  </p:iterate>
-                                  <p:childTnLst>
-                                    <p:set>
-                                      <p:cBhvr override="childStyle">
-                                        <p:cTn id="23" dur="500" fill="hold"/>
-                                        <p:tgtEl>
-                                          <p:spTgt spid="9">
-                                            <p:txEl>
-                                              <p:pRg st="2" end="2"/>
-                                            </p:txEl>
-                                          </p:spTgt>
-                                        </p:tgtEl>
-                                        <p:attrNameLst>
-                                          <p:attrName>style.color</p:attrName>
-                                        </p:attrNameLst>
-                                      </p:cBhvr>
-                                      <p:to>
-                                        <p:clrVal>
-                                          <a:schemeClr val="accent2"/>
-                                        </p:clrVal>
-                                      </p:to>
-                                    </p:set>
-                                    <p:set>
-                                      <p:cBhvr>
-                                        <p:cTn id="24" dur="500" fill="hold"/>
-                                        <p:tgtEl>
-                                          <p:spTgt spid="9">
-                                            <p:txEl>
-                                              <p:pRg st="2" end="2"/>
-                                            </p:txEl>
-                                          </p:spTgt>
-                                        </p:tgtEl>
-                                        <p:attrNameLst>
-                                          <p:attrName>fillcolor</p:attrName>
-                                        </p:attrNameLst>
-                                      </p:cBhvr>
-                                      <p:to>
-                                        <p:clrVal>
-                                          <a:schemeClr val="accent2"/>
-                                        </p:clrVal>
-                                      </p:to>
-                                    </p:set>
-                                    <p:set>
-                                      <p:cBhvr>
-                                        <p:cTn id="25" dur="500" fill="hold"/>
-                                        <p:tgtEl>
-                                          <p:spTgt spid="9">
-                                            <p:txEl>
-                                              <p:pRg st="2" end="2"/>
-                                            </p:txEl>
-                                          </p:spTgt>
-                                        </p:tgtEl>
-                                        <p:attrNameLst>
-                                          <p:attrName>fill.type</p:attrName>
-                                        </p:attrNameLst>
-                                      </p:cBhvr>
-                                      <p:to>
-                                        <p:strVal val="solid"/>
-                                      </p:to>
-                                    </p:set>
-                                  </p:childTnLst>
-                                </p:cTn>
-                              </p:par>
-                            </p:childTnLst>
-                          </p:cTn>
-                        </p:par>
-                      </p:childTnLst>
-                    </p:cTn>
-                  </p:par>
-                  <p:par>
-                    <p:cTn id="26" fill="hold">
-                      <p:stCondLst>
-                        <p:cond delay="indefinite"/>
-                      </p:stCondLst>
-                      <p:childTnLst>
-                        <p:par>
-                          <p:cTn id="27" fill="hold">
-                            <p:stCondLst>
-                              <p:cond delay="0"/>
-                            </p:stCondLst>
-                            <p:childTnLst>
-                              <p:par>
-                                <p:cTn id="28" presetID="16" presetClass="emph" presetSubtype="0" fill="hold" nodeType="clickEffect">
-                                  <p:stCondLst>
-                                    <p:cond delay="0"/>
-                                  </p:stCondLst>
-                                  <p:iterate type="lt">
-                                    <p:tmPct val="4000"/>
-                                  </p:iterate>
-                                  <p:childTnLst>
-                                    <p:set>
-                                      <p:cBhvr override="childStyle">
-                                        <p:cTn id="29" dur="500" fill="hold"/>
-                                        <p:tgtEl>
-                                          <p:spTgt spid="9">
-                                            <p:txEl>
-                                              <p:pRg st="3" end="3"/>
-                                            </p:txEl>
-                                          </p:spTgt>
-                                        </p:tgtEl>
-                                        <p:attrNameLst>
-                                          <p:attrName>style.color</p:attrName>
-                                        </p:attrNameLst>
-                                      </p:cBhvr>
-                                      <p:to>
-                                        <p:clrVal>
-                                          <a:schemeClr val="accent2"/>
-                                        </p:clrVal>
-                                      </p:to>
-                                    </p:set>
-                                    <p:set>
-                                      <p:cBhvr>
-                                        <p:cTn id="30" dur="500" fill="hold"/>
-                                        <p:tgtEl>
-                                          <p:spTgt spid="9">
-                                            <p:txEl>
-                                              <p:pRg st="3" end="3"/>
-                                            </p:txEl>
-                                          </p:spTgt>
-                                        </p:tgtEl>
-                                        <p:attrNameLst>
-                                          <p:attrName>fillcolor</p:attrName>
-                                        </p:attrNameLst>
-                                      </p:cBhvr>
-                                      <p:to>
-                                        <p:clrVal>
-                                          <a:schemeClr val="accent2"/>
-                                        </p:clrVal>
-                                      </p:to>
-                                    </p:set>
-                                    <p:set>
-                                      <p:cBhvr>
-                                        <p:cTn id="31" dur="500" fill="hold"/>
-                                        <p:tgtEl>
-                                          <p:spTgt spid="9">
-                                            <p:txEl>
-                                              <p:pRg st="3" end="3"/>
-                                            </p:txEl>
-                                          </p:spTgt>
-                                        </p:tgtEl>
-                                        <p:attrNameLst>
-                                          <p:attrName>fill.type</p:attrName>
-                                        </p:attrNameLst>
-                                      </p:cBhvr>
-                                      <p:to>
-                                        <p:strVal val="solid"/>
-                                      </p:to>
-                                    </p:set>
+                                    </p:animClr>
                                   </p:childTnLst>
                                 </p:cTn>
                               </p:par>
@@ -17386,388 +17118,8 @@
       </p:par>
     </p:tnLst>
     <p:bldLst>
-      <p:bldP spid="8" grpId="0"/>
-    </p:bldLst>
-  </p:timing>
-</p:sld>
-</file>
-
-<file path=ppt/slides/slide9.xml><?xml version="1.0" encoding="utf-8"?>
-<p:sld xmlns:a="http://schemas.openxmlformats.org/drawingml/2006/main" xmlns:r="http://schemas.openxmlformats.org/officeDocument/2006/relationships" xmlns:p="http://schemas.openxmlformats.org/presentationml/2006/main">
-  <p:cSld>
-    <p:spTree>
-      <p:nvGrpSpPr>
-        <p:cNvPr id="1" name=""/>
-        <p:cNvGrpSpPr/>
-        <p:nvPr/>
-      </p:nvGrpSpPr>
-      <p:grpSpPr>
-        <a:xfrm>
-          <a:off x="0" y="0"/>
-          <a:ext cx="0" cy="0"/>
-          <a:chOff x="0" y="0"/>
-          <a:chExt cx="0" cy="0"/>
-        </a:xfrm>
-      </p:grpSpPr>
-      <p:sp>
-        <p:nvSpPr>
-          <p:cNvPr id="2" name="Title 1">
-            <a:extLst>
-              <a:ext uri="{FF2B5EF4-FFF2-40B4-BE49-F238E27FC236}">
-                <a16:creationId xmlns:a16="http://schemas.microsoft.com/office/drawing/2014/main" id="{B8EB5653-0F01-458D-B3A9-48F2D5013FD9}"/>
-              </a:ext>
-            </a:extLst>
-          </p:cNvPr>
-          <p:cNvSpPr>
-            <a:spLocks noGrp="1"/>
-          </p:cNvSpPr>
-          <p:nvPr>
-            <p:ph type="title"/>
-          </p:nvPr>
-        </p:nvSpPr>
-        <p:spPr/>
-        <p:txBody>
-          <a:bodyPr/>
-          <a:lstStyle/>
-          <a:p>
-            <a:r>
-              <a:rPr lang="en-US" dirty="0"/>
-              <a:t>Benefits </a:t>
-            </a:r>
-            <a:endParaRPr lang="en-IN" dirty="0"/>
-          </a:p>
-        </p:txBody>
-      </p:sp>
-      <p:sp>
-        <p:nvSpPr>
-          <p:cNvPr id="3" name="Content Placeholder 2">
-            <a:extLst>
-              <a:ext uri="{FF2B5EF4-FFF2-40B4-BE49-F238E27FC236}">
-                <a16:creationId xmlns:a16="http://schemas.microsoft.com/office/drawing/2014/main" id="{DA09D970-58BA-45A1-9B3A-AFAEE83F41B1}"/>
-              </a:ext>
-            </a:extLst>
-          </p:cNvPr>
-          <p:cNvSpPr>
-            <a:spLocks noGrp="1"/>
-          </p:cNvSpPr>
-          <p:nvPr>
-            <p:ph idx="1"/>
-          </p:nvPr>
-        </p:nvSpPr>
-        <p:spPr>
-          <a:xfrm>
-            <a:off x="958645" y="2103119"/>
-            <a:ext cx="10166555" cy="4268183"/>
-          </a:xfrm>
-        </p:spPr>
-        <p:txBody>
-          <a:bodyPr>
-            <a:noAutofit/>
-          </a:bodyPr>
-          <a:lstStyle/>
-          <a:p>
-            <a:pPr>
-              <a:buBlip>
-                <a:blip r:embed="rId3">
-                  <a:extLst>
-                    <a:ext uri="{96DAC541-7B7A-43D3-8B79-37D633B846F1}">
-                      <asvg:svgBlip xmlns:asvg="http://schemas.microsoft.com/office/drawing/2016/SVG/main" r:embed="rId4"/>
-                    </a:ext>
-                  </a:extLst>
-                </a:blip>
-              </a:buBlip>
-            </a:pPr>
-            <a:r>
-              <a:rPr lang="en-US" sz="2800" dirty="0"/>
-              <a:t>Saves time of customers in quickly order the Food. </a:t>
-            </a:r>
-          </a:p>
-          <a:p>
-            <a:pPr>
-              <a:buBlip>
-                <a:blip r:embed="rId3">
-                  <a:extLst>
-                    <a:ext uri="{96DAC541-7B7A-43D3-8B79-37D633B846F1}">
-                      <asvg:svgBlip xmlns:asvg="http://schemas.microsoft.com/office/drawing/2016/SVG/main" r:embed="rId4"/>
-                    </a:ext>
-                  </a:extLst>
-                </a:blip>
-              </a:buBlip>
-            </a:pPr>
-            <a:r>
-              <a:rPr lang="en-US" sz="2800" dirty="0"/>
-              <a:t> The ability to order anytime, from anywhere with Internet access. </a:t>
-            </a:r>
-          </a:p>
-          <a:p>
-            <a:pPr>
-              <a:buBlip>
-                <a:blip r:embed="rId3">
-                  <a:extLst>
-                    <a:ext uri="{96DAC541-7B7A-43D3-8B79-37D633B846F1}">
-                      <asvg:svgBlip xmlns:asvg="http://schemas.microsoft.com/office/drawing/2016/SVG/main" r:embed="rId4"/>
-                    </a:ext>
-                  </a:extLst>
-                </a:blip>
-              </a:buBlip>
-            </a:pPr>
-            <a:r>
-              <a:rPr lang="en-US" sz="2800" dirty="0"/>
-              <a:t> Provides the information about hotel facilities. </a:t>
-            </a:r>
-          </a:p>
-          <a:p>
-            <a:pPr>
-              <a:buBlip>
-                <a:blip r:embed="rId3">
-                  <a:extLst>
-                    <a:ext uri="{96DAC541-7B7A-43D3-8B79-37D633B846F1}">
-                      <asvg:svgBlip xmlns:asvg="http://schemas.microsoft.com/office/drawing/2016/SVG/main" r:embed="rId4"/>
-                    </a:ext>
-                  </a:extLst>
-                </a:blip>
-              </a:buBlip>
-            </a:pPr>
-            <a:r>
-              <a:rPr lang="en-US" sz="2800" dirty="0"/>
-              <a:t> very secure. </a:t>
-            </a:r>
-          </a:p>
-          <a:p>
-            <a:pPr>
-              <a:buBlip>
-                <a:blip r:embed="rId3">
-                  <a:extLst>
-                    <a:ext uri="{96DAC541-7B7A-43D3-8B79-37D633B846F1}">
-                      <asvg:svgBlip xmlns:asvg="http://schemas.microsoft.com/office/drawing/2016/SVG/main" r:embed="rId4"/>
-                    </a:ext>
-                  </a:extLst>
-                </a:blip>
-              </a:buBlip>
-            </a:pPr>
-            <a:r>
-              <a:rPr lang="en-US" sz="2800" dirty="0"/>
-              <a:t> User friendly.</a:t>
-            </a:r>
-          </a:p>
-          <a:p>
-            <a:pPr>
-              <a:buBlip>
-                <a:blip r:embed="rId3">
-                  <a:extLst>
-                    <a:ext uri="{96DAC541-7B7A-43D3-8B79-37D633B846F1}">
-                      <asvg:svgBlip xmlns:asvg="http://schemas.microsoft.com/office/drawing/2016/SVG/main" r:embed="rId4"/>
-                    </a:ext>
-                  </a:extLst>
-                </a:blip>
-              </a:buBlip>
-            </a:pPr>
-            <a:r>
-              <a:rPr lang="en-IN" sz="2800" dirty="0"/>
-              <a:t>Know about services about the hotel </a:t>
-            </a:r>
-          </a:p>
-          <a:p>
-            <a:pPr>
-              <a:buBlip>
-                <a:blip r:embed="rId3">
-                  <a:extLst>
-                    <a:ext uri="{96DAC541-7B7A-43D3-8B79-37D633B846F1}">
-                      <asvg:svgBlip xmlns:asvg="http://schemas.microsoft.com/office/drawing/2016/SVG/main" r:embed="rId4"/>
-                    </a:ext>
-                  </a:extLst>
-                </a:blip>
-              </a:buBlip>
-            </a:pPr>
-            <a:r>
-              <a:rPr lang="en-IN" sz="2800" dirty="0"/>
-              <a:t>Easily chat with chatbot and get his/her all query about the food and hotel</a:t>
-            </a:r>
-          </a:p>
-        </p:txBody>
-      </p:sp>
-    </p:spTree>
-    <p:extLst>
-      <p:ext uri="{BB962C8B-B14F-4D97-AF65-F5344CB8AC3E}">
-        <p14:creationId xmlns:p14="http://schemas.microsoft.com/office/powerpoint/2010/main" val="2238015218"/>
-      </p:ext>
-    </p:extLst>
-  </p:cSld>
-  <p:clrMapOvr>
-    <a:masterClrMapping/>
-  </p:clrMapOvr>
-  <p:timing>
-    <p:tnLst>
-      <p:par>
-        <p:cTn id="1" dur="indefinite" restart="never" nodeType="tmRoot">
-          <p:childTnLst>
-            <p:seq concurrent="1" nextAc="seek">
-              <p:cTn id="2" dur="indefinite" nodeType="mainSeq">
-                <p:childTnLst>
-                  <p:par>
-                    <p:cTn id="3" fill="hold">
-                      <p:stCondLst>
-                        <p:cond delay="indefinite"/>
-                      </p:stCondLst>
-                      <p:childTnLst>
-                        <p:par>
-                          <p:cTn id="4" fill="hold">
-                            <p:stCondLst>
-                              <p:cond delay="0"/>
-                            </p:stCondLst>
-                            <p:childTnLst>
-                              <p:par>
-                                <p:cTn id="5" presetID="6" presetClass="entr" presetSubtype="16" fill="hold" grpId="0" nodeType="clickEffect">
-                                  <p:stCondLst>
-                                    <p:cond delay="0"/>
-                                  </p:stCondLst>
-                                  <p:childTnLst>
-                                    <p:set>
-                                      <p:cBhvr>
-                                        <p:cTn id="6" dur="1" fill="hold">
-                                          <p:stCondLst>
-                                            <p:cond delay="0"/>
-                                          </p:stCondLst>
-                                        </p:cTn>
-                                        <p:tgtEl>
-                                          <p:spTgt spid="2"/>
-                                        </p:tgtEl>
-                                        <p:attrNameLst>
-                                          <p:attrName>style.visibility</p:attrName>
-                                        </p:attrNameLst>
-                                      </p:cBhvr>
-                                      <p:to>
-                                        <p:strVal val="visible"/>
-                                      </p:to>
-                                    </p:set>
-                                    <p:animEffect transition="in" filter="circle(in)">
-                                      <p:cBhvr>
-                                        <p:cTn id="7" dur="2000"/>
-                                        <p:tgtEl>
-                                          <p:spTgt spid="2"/>
-                                        </p:tgtEl>
-                                      </p:cBhvr>
-                                    </p:animEffect>
-                                  </p:childTnLst>
-                                </p:cTn>
-                              </p:par>
-                            </p:childTnLst>
-                          </p:cTn>
-                        </p:par>
-                      </p:childTnLst>
-                    </p:cTn>
-                  </p:par>
-                  <p:par>
-                    <p:cTn id="8" fill="hold">
-                      <p:stCondLst>
-                        <p:cond delay="indefinite"/>
-                      </p:stCondLst>
-                      <p:childTnLst>
-                        <p:par>
-                          <p:cTn id="9" fill="hold">
-                            <p:stCondLst>
-                              <p:cond delay="0"/>
-                            </p:stCondLst>
-                            <p:childTnLst>
-                              <p:par>
-                                <p:cTn id="10" presetID="12" presetClass="entr" presetSubtype="4" fill="hold" nodeType="clickEffect">
-                                  <p:stCondLst>
-                                    <p:cond delay="250"/>
-                                  </p:stCondLst>
-                                  <p:childTnLst>
-                                    <p:set>
-                                      <p:cBhvr>
-                                        <p:cTn id="11" dur="1" fill="hold">
-                                          <p:stCondLst>
-                                            <p:cond delay="0"/>
-                                          </p:stCondLst>
-                                        </p:cTn>
-                                        <p:tgtEl>
-                                          <p:spTgt spid="3">
-                                            <p:txEl>
-                                              <p:pRg st="0" end="0"/>
-                                            </p:txEl>
-                                          </p:spTgt>
-                                        </p:tgtEl>
-                                        <p:attrNameLst>
-                                          <p:attrName>style.visibility</p:attrName>
-                                        </p:attrNameLst>
-                                      </p:cBhvr>
-                                      <p:to>
-                                        <p:strVal val="visible"/>
-                                      </p:to>
-                                    </p:set>
-                                    <p:anim calcmode="lin" valueType="num">
-                                      <p:cBhvr additive="base">
-                                        <p:cTn id="12" dur="500"/>
-                                        <p:tgtEl>
-                                          <p:spTgt spid="3">
-                                            <p:txEl>
-                                              <p:pRg st="0" end="0"/>
-                                            </p:txEl>
-                                          </p:spTgt>
-                                        </p:tgtEl>
-                                        <p:attrNameLst>
-                                          <p:attrName>ppt_y</p:attrName>
-                                        </p:attrNameLst>
-                                      </p:cBhvr>
-                                      <p:tavLst>
-                                        <p:tav tm="0">
-                                          <p:val>
-                                            <p:strVal val="#ppt_y+#ppt_h*1.125000"/>
-                                          </p:val>
-                                        </p:tav>
-                                        <p:tav tm="100000">
-                                          <p:val>
-                                            <p:strVal val="#ppt_y"/>
-                                          </p:val>
-                                        </p:tav>
-                                      </p:tavLst>
-                                    </p:anim>
-                                    <p:animEffect transition="in" filter="wipe(up)">
-                                      <p:cBhvr>
-                                        <p:cTn id="13" dur="500"/>
-                                        <p:tgtEl>
-                                          <p:spTgt spid="3">
-                                            <p:txEl>
-                                              <p:pRg st="0" end="0"/>
-                                            </p:txEl>
-                                          </p:spTgt>
-                                        </p:tgtEl>
-                                      </p:cBhvr>
-                                    </p:animEffect>
-                                  </p:childTnLst>
-                                </p:cTn>
-                              </p:par>
-                            </p:childTnLst>
-                          </p:cTn>
-                        </p:par>
-                      </p:childTnLst>
-                    </p:cTn>
-                  </p:par>
-                </p:childTnLst>
-              </p:cTn>
-              <p:prevCondLst>
-                <p:cond evt="onPrev" delay="0">
-                  <p:tgtEl>
-                    <p:sldTgt/>
-                  </p:tgtEl>
-                </p:cond>
-              </p:prevCondLst>
-              <p:nextCondLst>
-                <p:cond evt="onNext" delay="0">
-                  <p:tgtEl>
-                    <p:sldTgt/>
-                  </p:tgtEl>
-                </p:cond>
-              </p:nextCondLst>
-            </p:seq>
-          </p:childTnLst>
-        </p:cTn>
-      </p:par>
-    </p:tnLst>
-    <p:bldLst>
-      <p:bldP spid="2" grpId="0"/>
+      <p:bldP spid="3" grpId="0"/>
+      <p:bldP spid="4" grpId="0" build="p"/>
     </p:bldLst>
   </p:timing>
 </p:sld>
@@ -18640,6 +17992,25 @@
 </file>
 
 <file path=customXml/item1.xml><?xml version="1.0" encoding="utf-8"?>
+<p:properties xmlns:p="http://schemas.microsoft.com/office/2006/metadata/properties" xmlns:xsi="http://www.w3.org/2001/XMLSchema-instance" xmlns:pc="http://schemas.microsoft.com/office/infopath/2007/PartnerControls">
+  <documentManagement>
+    <Status xmlns="71af3243-3dd4-4a8d-8c0d-dd76da1f02a5">Not started</Status>
+    <_ip_UnifiedCompliancePolicyUIAction xmlns="http://schemas.microsoft.com/sharepoint/v3" xsi:nil="true"/>
+    <Image xmlns="71af3243-3dd4-4a8d-8c0d-dd76da1f02a5">
+      <Url xsi:nil="true"/>
+      <Description xsi:nil="true"/>
+    </Image>
+    <_ip_UnifiedCompliancePolicyProperties xmlns="http://schemas.microsoft.com/sharepoint/v3" xsi:nil="true"/>
+    <ImageTagsTaxHTField xmlns="71af3243-3dd4-4a8d-8c0d-dd76da1f02a5">
+      <Terms xmlns="http://schemas.microsoft.com/office/infopath/2007/PartnerControls"/>
+    </ImageTagsTaxHTField>
+    <TaxCatchAll xmlns="230e9df3-be65-4c73-a93b-d1236ebd677e"/>
+    <MediaServiceKeyPoints xmlns="71af3243-3dd4-4a8d-8c0d-dd76da1f02a5" xsi:nil="true"/>
+  </documentManagement>
+</p:properties>
+</file>
+
+<file path=customXml/item2.xml><?xml version="1.0" encoding="utf-8"?>
 <ct:contentTypeSchema xmlns:ct="http://schemas.microsoft.com/office/2006/metadata/contentType" xmlns:ma="http://schemas.microsoft.com/office/2006/metadata/properties/metaAttributes" ct:_="" ma:_="" ma:contentTypeName="Document" ma:contentTypeID="0x01010079F111ED35F8CC479449609E8A0923A6" ma:contentTypeVersion="20" ma:contentTypeDescription="Create a new document." ma:contentTypeScope="" ma:versionID="1267097ee5f5874adfcc408041ae252e">
   <xsd:schema xmlns:xsd="http://www.w3.org/2001/XMLSchema" xmlns:xs="http://www.w3.org/2001/XMLSchema" xmlns:p="http://schemas.microsoft.com/office/2006/metadata/properties" xmlns:ns1="http://schemas.microsoft.com/sharepoint/v3" xmlns:ns2="71af3243-3dd4-4a8d-8c0d-dd76da1f02a5" xmlns:ns3="16c05727-aa75-4e4a-9b5f-8a80a1165891" xmlns:ns4="230e9df3-be65-4c73-a93b-d1236ebd677e" targetNamespace="http://schemas.microsoft.com/office/2006/metadata/properties" ma:root="true" ma:fieldsID="395891a93df65b14727750f2c06c306c" ns1:_="" ns2:_="" ns3:_="" ns4:_="">
     <xsd:import namespace="http://schemas.microsoft.com/sharepoint/v3"/>
@@ -18915,25 +18286,6 @@
 </ct:contentTypeSchema>
 </file>
 
-<file path=customXml/item2.xml><?xml version="1.0" encoding="utf-8"?>
-<p:properties xmlns:p="http://schemas.microsoft.com/office/2006/metadata/properties" xmlns:xsi="http://www.w3.org/2001/XMLSchema-instance" xmlns:pc="http://schemas.microsoft.com/office/infopath/2007/PartnerControls">
-  <documentManagement>
-    <Status xmlns="71af3243-3dd4-4a8d-8c0d-dd76da1f02a5">Not started</Status>
-    <_ip_UnifiedCompliancePolicyUIAction xmlns="http://schemas.microsoft.com/sharepoint/v3" xsi:nil="true"/>
-    <Image xmlns="71af3243-3dd4-4a8d-8c0d-dd76da1f02a5">
-      <Url xsi:nil="true"/>
-      <Description xsi:nil="true"/>
-    </Image>
-    <_ip_UnifiedCompliancePolicyProperties xmlns="http://schemas.microsoft.com/sharepoint/v3" xsi:nil="true"/>
-    <ImageTagsTaxHTField xmlns="71af3243-3dd4-4a8d-8c0d-dd76da1f02a5">
-      <Terms xmlns="http://schemas.microsoft.com/office/infopath/2007/PartnerControls"/>
-    </ImageTagsTaxHTField>
-    <TaxCatchAll xmlns="230e9df3-be65-4c73-a93b-d1236ebd677e"/>
-    <MediaServiceKeyPoints xmlns="71af3243-3dd4-4a8d-8c0d-dd76da1f02a5" xsi:nil="true"/>
-  </documentManagement>
-</p:properties>
-</file>
-
 <file path=customXml/item3.xml><?xml version="1.0" encoding="utf-8"?>
 <?mso-contentType ?>
 <FormTemplates xmlns="http://schemas.microsoft.com/sharepoint/v3/contenttype/forms">
@@ -18944,6 +18296,18 @@
 </file>
 
 <file path=customXml/itemProps1.xml><?xml version="1.0" encoding="utf-8"?>
+<ds:datastoreItem xmlns:ds="http://schemas.openxmlformats.org/officeDocument/2006/customXml" ds:itemID="{EB3D0E2C-DCCF-4DCA-8700-60C67A2E1F44}">
+  <ds:schemaRefs>
+    <ds:schemaRef ds:uri="http://schemas.microsoft.com/office/2006/metadata/properties"/>
+    <ds:schemaRef ds:uri="http://schemas.microsoft.com/office/infopath/2007/PartnerControls"/>
+    <ds:schemaRef ds:uri="71af3243-3dd4-4a8d-8c0d-dd76da1f02a5"/>
+    <ds:schemaRef ds:uri="http://schemas.microsoft.com/sharepoint/v3"/>
+    <ds:schemaRef ds:uri="230e9df3-be65-4c73-a93b-d1236ebd677e"/>
+  </ds:schemaRefs>
+</ds:datastoreItem>
+</file>
+
+<file path=customXml/itemProps2.xml><?xml version="1.0" encoding="utf-8"?>
 <ds:datastoreItem xmlns:ds="http://schemas.openxmlformats.org/officeDocument/2006/customXml" ds:itemID="{37802517-FD5A-4D6F-9BEF-6B50583B6DA4}">
   <ds:schemaRefs>
     <ds:schemaRef ds:uri="http://schemas.microsoft.com/office/2006/metadata/contentType"/>
@@ -18964,18 +18328,6 @@
 </ds:datastoreItem>
 </file>
 
-<file path=customXml/itemProps2.xml><?xml version="1.0" encoding="utf-8"?>
-<ds:datastoreItem xmlns:ds="http://schemas.openxmlformats.org/officeDocument/2006/customXml" ds:itemID="{EB3D0E2C-DCCF-4DCA-8700-60C67A2E1F44}">
-  <ds:schemaRefs>
-    <ds:schemaRef ds:uri="http://schemas.microsoft.com/office/2006/metadata/properties"/>
-    <ds:schemaRef ds:uri="http://schemas.microsoft.com/office/infopath/2007/PartnerControls"/>
-    <ds:schemaRef ds:uri="71af3243-3dd4-4a8d-8c0d-dd76da1f02a5"/>
-    <ds:schemaRef ds:uri="http://schemas.microsoft.com/sharepoint/v3"/>
-    <ds:schemaRef ds:uri="230e9df3-be65-4c73-a93b-d1236ebd677e"/>
-  </ds:schemaRefs>
-</ds:datastoreItem>
-</file>
-
 <file path=customXml/itemProps3.xml><?xml version="1.0" encoding="utf-8"?>
 <ds:datastoreItem xmlns:ds="http://schemas.openxmlformats.org/officeDocument/2006/customXml" ds:itemID="{B13FC90C-E938-4D14-B988-1AABB7F8F353}">
   <ds:schemaRefs>
